--- a/Slides/SDHCAL_20170329.pptx
+++ b/Slides/SDHCAL_20170329.pptx
@@ -7,6 +7,18 @@
   <p:sldIdLst>
     <p:sldId id="256" r:id="rId2"/>
     <p:sldId id="257" r:id="rId3"/>
+    <p:sldId id="258" r:id="rId4"/>
+    <p:sldId id="259" r:id="rId5"/>
+    <p:sldId id="260" r:id="rId6"/>
+    <p:sldId id="262" r:id="rId7"/>
+    <p:sldId id="261" r:id="rId8"/>
+    <p:sldId id="264" r:id="rId9"/>
+    <p:sldId id="265" r:id="rId10"/>
+    <p:sldId id="266" r:id="rId11"/>
+    <p:sldId id="267" r:id="rId12"/>
+    <p:sldId id="272" r:id="rId13"/>
+    <p:sldId id="269" r:id="rId14"/>
+    <p:sldId id="270" r:id="rId15"/>
   </p:sldIdLst>
   <p:sldSz cx="9144000" cy="6858000" type="screen4x3"/>
   <p:notesSz cx="6858000" cy="9144000"/>
@@ -3932,6 +3944,1049 @@
 </p:sld>
 </file>
 
+<file path=ppt/slides/slide10.xml><?xml version="1.0" encoding="utf-8"?>
+<p:sld xmlns:a="http://schemas.openxmlformats.org/drawingml/2006/main" xmlns:r="http://schemas.openxmlformats.org/officeDocument/2006/relationships" xmlns:p="http://schemas.openxmlformats.org/presentationml/2006/main">
+  <p:cSld>
+    <p:spTree>
+      <p:nvGrpSpPr>
+        <p:cNvPr id="1" name=""/>
+        <p:cNvGrpSpPr/>
+        <p:nvPr/>
+      </p:nvGrpSpPr>
+      <p:grpSpPr>
+        <a:xfrm>
+          <a:off x="0" y="0"/>
+          <a:ext cx="0" cy="0"/>
+          <a:chOff x="0" y="0"/>
+          <a:chExt cx="0" cy="0"/>
+        </a:xfrm>
+      </p:grpSpPr>
+      <p:sp>
+        <p:nvSpPr>
+          <p:cNvPr id="2" name="标题 1"/>
+          <p:cNvSpPr>
+            <a:spLocks noGrp="1"/>
+          </p:cNvSpPr>
+          <p:nvPr>
+            <p:ph type="title"/>
+          </p:nvPr>
+        </p:nvSpPr>
+        <p:spPr/>
+        <p:txBody>
+          <a:bodyPr/>
+          <a:lstStyle/>
+          <a:p>
+            <a:r>
+              <a:rPr lang="en-US" altLang="zh-CN" dirty="0" smtClean="0"/>
+              <a:t>S</a:t>
+            </a:r>
+            <a:r>
+              <a:rPr lang="zh-CN" altLang="en-US" dirty="0" smtClean="0"/>
+              <a:t>曲线测试</a:t>
+            </a:r>
+            <a:endParaRPr lang="zh-CN" altLang="en-US" dirty="0"/>
+          </a:p>
+        </p:txBody>
+      </p:sp>
+      <p:sp>
+        <p:nvSpPr>
+          <p:cNvPr id="3" name="内容占位符 2"/>
+          <p:cNvSpPr>
+            <a:spLocks noGrp="1"/>
+          </p:cNvSpPr>
+          <p:nvPr>
+            <p:ph idx="1"/>
+          </p:nvPr>
+        </p:nvSpPr>
+        <p:spPr/>
+        <p:txBody>
+          <a:bodyPr/>
+          <a:lstStyle/>
+          <a:p>
+            <a:r>
+              <a:rPr lang="zh-CN" altLang="en-US" dirty="0" smtClean="0"/>
+              <a:t>低电荷量</a:t>
+            </a:r>
+            <a:r>
+              <a:rPr lang="en-US" altLang="zh-CN" dirty="0" smtClean="0"/>
+              <a:t>(&lt;10fC)</a:t>
+            </a:r>
+            <a:r>
+              <a:rPr lang="zh-CN" altLang="en-US" dirty="0" smtClean="0"/>
+              <a:t>注入情况</a:t>
+            </a:r>
+            <a:endParaRPr lang="en-US" altLang="zh-CN" dirty="0" smtClean="0"/>
+          </a:p>
+          <a:p>
+            <a:pPr lvl="1"/>
+            <a:r>
+              <a:rPr lang="zh-CN" altLang="en-US" dirty="0" smtClean="0"/>
+              <a:t>可以得到最小电荷分辨能力，</a:t>
+            </a:r>
+            <a:r>
+              <a:rPr lang="en-US" altLang="zh-CN" dirty="0" smtClean="0"/>
+              <a:t>2fC</a:t>
+            </a:r>
+            <a:r>
+              <a:rPr lang="zh-CN" altLang="en-US" dirty="0" smtClean="0"/>
+              <a:t>电荷量可以分辨</a:t>
+            </a:r>
+            <a:endParaRPr lang="en-US" altLang="zh-CN" dirty="0" smtClean="0"/>
+          </a:p>
+          <a:p>
+            <a:pPr lvl="1"/>
+            <a:r>
+              <a:rPr lang="zh-CN" altLang="en-US" dirty="0" smtClean="0"/>
+              <a:t>测量小电荷量输入情况的成形输出线性</a:t>
+            </a:r>
+            <a:endParaRPr lang="en-US" altLang="zh-CN" dirty="0" smtClean="0"/>
+          </a:p>
+          <a:p>
+            <a:pPr lvl="1"/>
+            <a:endParaRPr lang="zh-CN" altLang="en-US" dirty="0"/>
+          </a:p>
+        </p:txBody>
+      </p:sp>
+      <p:pic>
+        <p:nvPicPr>
+          <p:cNvPr id="5" name="图片 4"/>
+          <p:cNvPicPr>
+            <a:picLocks noChangeAspect="1"/>
+          </p:cNvPicPr>
+          <p:nvPr/>
+        </p:nvPicPr>
+        <p:blipFill>
+          <a:blip r:embed="rId2">
+            <a:extLst>
+              <a:ext uri="{28A0092B-C50C-407E-A947-70E740481C1C}">
+                <a14:useLocalDpi xmlns:a14="http://schemas.microsoft.com/office/drawing/2010/main" val="0"/>
+              </a:ext>
+            </a:extLst>
+          </a:blip>
+          <a:stretch>
+            <a:fillRect/>
+          </a:stretch>
+        </p:blipFill>
+        <p:spPr>
+          <a:xfrm>
+            <a:off x="4824000" y="3063746"/>
+            <a:ext cx="4320000" cy="3240000"/>
+          </a:xfrm>
+          <a:prstGeom prst="rect">
+            <a:avLst/>
+          </a:prstGeom>
+        </p:spPr>
+      </p:pic>
+      <p:grpSp>
+        <p:nvGrpSpPr>
+          <p:cNvPr id="10" name="组合 9"/>
+          <p:cNvGrpSpPr/>
+          <p:nvPr/>
+        </p:nvGrpSpPr>
+        <p:grpSpPr>
+          <a:xfrm>
+            <a:off x="274859" y="3063746"/>
+            <a:ext cx="4320000" cy="3240000"/>
+            <a:chOff x="274859" y="3063746"/>
+            <a:chExt cx="4320000" cy="3240000"/>
+          </a:xfrm>
+        </p:grpSpPr>
+        <p:pic>
+          <p:nvPicPr>
+            <p:cNvPr id="4" name="图片 3"/>
+            <p:cNvPicPr>
+              <a:picLocks noChangeAspect="1"/>
+            </p:cNvPicPr>
+            <p:nvPr/>
+          </p:nvPicPr>
+          <p:blipFill>
+            <a:blip r:embed="rId3">
+              <a:extLst>
+                <a:ext uri="{28A0092B-C50C-407E-A947-70E740481C1C}">
+                  <a14:useLocalDpi xmlns:a14="http://schemas.microsoft.com/office/drawing/2010/main" val="0"/>
+                </a:ext>
+              </a:extLst>
+            </a:blip>
+            <a:stretch>
+              <a:fillRect/>
+            </a:stretch>
+          </p:blipFill>
+          <p:spPr>
+            <a:xfrm>
+              <a:off x="274859" y="3063746"/>
+              <a:ext cx="4320000" cy="3240000"/>
+            </a:xfrm>
+            <a:prstGeom prst="rect">
+              <a:avLst/>
+            </a:prstGeom>
+          </p:spPr>
+        </p:pic>
+        <p:sp>
+          <p:nvSpPr>
+            <p:cNvPr id="7" name="文本框 6"/>
+            <p:cNvSpPr txBox="1"/>
+            <p:nvPr/>
+          </p:nvSpPr>
+          <p:spPr>
+            <a:xfrm>
+              <a:off x="3756168" y="3522244"/>
+              <a:ext cx="838691" cy="369332"/>
+            </a:xfrm>
+            <a:prstGeom prst="rect">
+              <a:avLst/>
+            </a:prstGeom>
+            <a:noFill/>
+          </p:spPr>
+          <p:txBody>
+            <a:bodyPr wrap="none" rtlCol="0">
+              <a:spAutoFit/>
+            </a:bodyPr>
+            <a:lstStyle/>
+            <a:p>
+              <a:r>
+                <a:rPr lang="en-US" altLang="zh-CN" dirty="0" err="1" smtClean="0"/>
+                <a:t>Chn</a:t>
+              </a:r>
+              <a:r>
+                <a:rPr lang="en-US" altLang="zh-CN" dirty="0" smtClean="0"/>
+                <a:t> 61</a:t>
+              </a:r>
+              <a:endParaRPr lang="zh-CN" altLang="en-US" dirty="0"/>
+            </a:p>
+          </p:txBody>
+        </p:sp>
+        <p:cxnSp>
+          <p:nvCxnSpPr>
+            <p:cNvPr id="9" name="直接箭头连接符 8"/>
+            <p:cNvCxnSpPr/>
+            <p:nvPr/>
+          </p:nvCxnSpPr>
+          <p:spPr>
+            <a:xfrm flipH="1">
+              <a:off x="3152775" y="3790950"/>
+              <a:ext cx="595313" cy="233363"/>
+            </a:xfrm>
+            <a:prstGeom prst="straightConnector1">
+              <a:avLst/>
+            </a:prstGeom>
+            <a:ln>
+              <a:solidFill>
+                <a:schemeClr val="tx1"/>
+              </a:solidFill>
+              <a:tailEnd type="triangle"/>
+            </a:ln>
+          </p:spPr>
+          <p:style>
+            <a:lnRef idx="1">
+              <a:schemeClr val="accent1"/>
+            </a:lnRef>
+            <a:fillRef idx="0">
+              <a:schemeClr val="accent1"/>
+            </a:fillRef>
+            <a:effectRef idx="0">
+              <a:schemeClr val="accent1"/>
+            </a:effectRef>
+            <a:fontRef idx="minor">
+              <a:schemeClr val="tx1"/>
+            </a:fontRef>
+          </p:style>
+        </p:cxnSp>
+      </p:grpSp>
+    </p:spTree>
+    <p:extLst>
+      <p:ext uri="{BB962C8B-B14F-4D97-AF65-F5344CB8AC3E}">
+        <p14:creationId xmlns:p14="http://schemas.microsoft.com/office/powerpoint/2010/main" val="1530422596"/>
+      </p:ext>
+    </p:extLst>
+  </p:cSld>
+  <p:clrMapOvr>
+    <a:masterClrMapping/>
+  </p:clrMapOvr>
+  <p:timing>
+    <p:tnLst>
+      <p:par>
+        <p:cTn id="1" dur="indefinite" restart="never" nodeType="tmRoot"/>
+      </p:par>
+    </p:tnLst>
+  </p:timing>
+</p:sld>
+</file>
+
+<file path=ppt/slides/slide11.xml><?xml version="1.0" encoding="utf-8"?>
+<p:sld xmlns:a="http://schemas.openxmlformats.org/drawingml/2006/main" xmlns:r="http://schemas.openxmlformats.org/officeDocument/2006/relationships" xmlns:p="http://schemas.openxmlformats.org/presentationml/2006/main">
+  <p:cSld>
+    <p:spTree>
+      <p:nvGrpSpPr>
+        <p:cNvPr id="1" name=""/>
+        <p:cNvGrpSpPr/>
+        <p:nvPr/>
+      </p:nvGrpSpPr>
+      <p:grpSpPr>
+        <a:xfrm>
+          <a:off x="0" y="0"/>
+          <a:ext cx="0" cy="0"/>
+          <a:chOff x="0" y="0"/>
+          <a:chExt cx="0" cy="0"/>
+        </a:xfrm>
+      </p:grpSpPr>
+      <p:sp>
+        <p:nvSpPr>
+          <p:cNvPr id="2" name="标题 1"/>
+          <p:cNvSpPr>
+            <a:spLocks noGrp="1"/>
+          </p:cNvSpPr>
+          <p:nvPr>
+            <p:ph type="title"/>
+          </p:nvPr>
+        </p:nvSpPr>
+        <p:spPr/>
+        <p:txBody>
+          <a:bodyPr/>
+          <a:lstStyle/>
+          <a:p>
+            <a:r>
+              <a:rPr lang="zh-CN" altLang="en-US" dirty="0" smtClean="0"/>
+              <a:t>探测器联调</a:t>
+            </a:r>
+            <a:endParaRPr lang="zh-CN" altLang="en-US" dirty="0"/>
+          </a:p>
+        </p:txBody>
+      </p:sp>
+      <p:sp>
+        <p:nvSpPr>
+          <p:cNvPr id="3" name="内容占位符 2"/>
+          <p:cNvSpPr>
+            <a:spLocks noGrp="1"/>
+          </p:cNvSpPr>
+          <p:nvPr>
+            <p:ph idx="1"/>
+          </p:nvPr>
+        </p:nvSpPr>
+        <p:spPr/>
+        <p:txBody>
+          <a:bodyPr/>
+          <a:lstStyle/>
+          <a:p>
+            <a:r>
+              <a:rPr lang="en-US" altLang="zh-CN" dirty="0" smtClean="0"/>
+              <a:t>8keV X</a:t>
+            </a:r>
+            <a:r>
+              <a:rPr lang="zh-CN" altLang="en-US" dirty="0" smtClean="0"/>
+              <a:t>射线</a:t>
+            </a:r>
+            <a:endParaRPr lang="en-US" altLang="zh-CN" dirty="0" smtClean="0"/>
+          </a:p>
+          <a:p>
+            <a:pPr lvl="1"/>
+            <a:r>
+              <a:rPr lang="zh-CN" altLang="en-US" dirty="0" smtClean="0"/>
+              <a:t>示波器观察</a:t>
+            </a:r>
+            <a:r>
+              <a:rPr lang="en-US" altLang="zh-CN" dirty="0" err="1" smtClean="0"/>
+              <a:t>out_sh</a:t>
+            </a:r>
+            <a:r>
+              <a:rPr lang="zh-CN" altLang="en-US" dirty="0" smtClean="0"/>
+              <a:t>输出波形</a:t>
+            </a:r>
+            <a:endParaRPr lang="zh-CN" altLang="en-US" dirty="0"/>
+          </a:p>
+        </p:txBody>
+      </p:sp>
+      <p:pic>
+        <p:nvPicPr>
+          <p:cNvPr id="4" name="图片 3"/>
+          <p:cNvPicPr>
+            <a:picLocks noChangeAspect="1"/>
+          </p:cNvPicPr>
+          <p:nvPr/>
+        </p:nvPicPr>
+        <p:blipFill>
+          <a:blip r:embed="rId2">
+            <a:extLst>
+              <a:ext uri="{28A0092B-C50C-407E-A947-70E740481C1C}">
+                <a14:useLocalDpi xmlns:a14="http://schemas.microsoft.com/office/drawing/2010/main" val="0"/>
+              </a:ext>
+            </a:extLst>
+          </a:blip>
+          <a:stretch>
+            <a:fillRect/>
+          </a:stretch>
+        </p:blipFill>
+        <p:spPr>
+          <a:xfrm>
+            <a:off x="0" y="2230543"/>
+            <a:ext cx="5473700" cy="4105275"/>
+          </a:xfrm>
+          <a:prstGeom prst="rect">
+            <a:avLst/>
+          </a:prstGeom>
+        </p:spPr>
+      </p:pic>
+      <p:sp>
+        <p:nvSpPr>
+          <p:cNvPr id="6" name="文本框 5"/>
+          <p:cNvSpPr txBox="1"/>
+          <p:nvPr/>
+        </p:nvSpPr>
+        <p:spPr>
+          <a:xfrm>
+            <a:off x="6725958" y="1694314"/>
+            <a:ext cx="1107996" cy="461665"/>
+          </a:xfrm>
+          <a:prstGeom prst="rect">
+            <a:avLst/>
+          </a:prstGeom>
+          <a:noFill/>
+        </p:spPr>
+        <p:txBody>
+          <a:bodyPr wrap="none" rtlCol="0">
+            <a:spAutoFit/>
+          </a:bodyPr>
+          <a:lstStyle/>
+          <a:p>
+            <a:r>
+              <a:rPr lang="zh-CN" altLang="en-US" sz="2400" dirty="0">
+                <a:solidFill>
+                  <a:schemeClr val="tx1">
+                    <a:lumMod val="75000"/>
+                    <a:lumOff val="25000"/>
+                  </a:schemeClr>
+                </a:solidFill>
+              </a:rPr>
+              <a:t>击中图</a:t>
+            </a:r>
+          </a:p>
+        </p:txBody>
+      </p:sp>
+      <p:pic>
+        <p:nvPicPr>
+          <p:cNvPr id="7" name="图片 6"/>
+          <p:cNvPicPr>
+            <a:picLocks noChangeAspect="1"/>
+          </p:cNvPicPr>
+          <p:nvPr/>
+        </p:nvPicPr>
+        <p:blipFill rotWithShape="1">
+          <a:blip r:embed="rId3">
+            <a:extLst>
+              <a:ext uri="{28A0092B-C50C-407E-A947-70E740481C1C}">
+                <a14:useLocalDpi xmlns:a14="http://schemas.microsoft.com/office/drawing/2010/main" val="0"/>
+              </a:ext>
+            </a:extLst>
+          </a:blip>
+          <a:srcRect l="14132" t="5907" r="11790" b="2958"/>
+          <a:stretch/>
+        </p:blipFill>
+        <p:spPr>
+          <a:xfrm>
+            <a:off x="5242379" y="2212536"/>
+            <a:ext cx="3901621" cy="3600000"/>
+          </a:xfrm>
+          <a:prstGeom prst="rect">
+            <a:avLst/>
+          </a:prstGeom>
+        </p:spPr>
+      </p:pic>
+    </p:spTree>
+    <p:extLst>
+      <p:ext uri="{BB962C8B-B14F-4D97-AF65-F5344CB8AC3E}">
+        <p14:creationId xmlns:p14="http://schemas.microsoft.com/office/powerpoint/2010/main" val="471832057"/>
+      </p:ext>
+    </p:extLst>
+  </p:cSld>
+  <p:clrMapOvr>
+    <a:masterClrMapping/>
+  </p:clrMapOvr>
+  <p:timing>
+    <p:tnLst>
+      <p:par>
+        <p:cTn id="1" dur="indefinite" restart="never" nodeType="tmRoot"/>
+      </p:par>
+    </p:tnLst>
+  </p:timing>
+</p:sld>
+</file>
+
+<file path=ppt/slides/slide12.xml><?xml version="1.0" encoding="utf-8"?>
+<p:sld xmlns:a="http://schemas.openxmlformats.org/drawingml/2006/main" xmlns:r="http://schemas.openxmlformats.org/officeDocument/2006/relationships" xmlns:p="http://schemas.openxmlformats.org/presentationml/2006/main">
+  <p:cSld>
+    <p:spTree>
+      <p:nvGrpSpPr>
+        <p:cNvPr id="1" name=""/>
+        <p:cNvGrpSpPr/>
+        <p:nvPr/>
+      </p:nvGrpSpPr>
+      <p:grpSpPr>
+        <a:xfrm>
+          <a:off x="0" y="0"/>
+          <a:ext cx="0" cy="0"/>
+          <a:chOff x="0" y="0"/>
+          <a:chExt cx="0" cy="0"/>
+        </a:xfrm>
+      </p:grpSpPr>
+      <p:sp>
+        <p:nvSpPr>
+          <p:cNvPr id="2" name="标题 1"/>
+          <p:cNvSpPr>
+            <a:spLocks noGrp="1"/>
+          </p:cNvSpPr>
+          <p:nvPr>
+            <p:ph type="title"/>
+          </p:nvPr>
+        </p:nvSpPr>
+        <p:spPr/>
+        <p:txBody>
+          <a:bodyPr/>
+          <a:lstStyle/>
+          <a:p>
+            <a:r>
+              <a:rPr lang="zh-CN" altLang="en-US" dirty="0" smtClean="0"/>
+              <a:t>探测器联调</a:t>
+            </a:r>
+            <a:endParaRPr lang="zh-CN" altLang="en-US" dirty="0"/>
+          </a:p>
+        </p:txBody>
+      </p:sp>
+      <p:sp>
+        <p:nvSpPr>
+          <p:cNvPr id="3" name="内容占位符 2"/>
+          <p:cNvSpPr>
+            <a:spLocks noGrp="1"/>
+          </p:cNvSpPr>
+          <p:nvPr>
+            <p:ph idx="1"/>
+          </p:nvPr>
+        </p:nvSpPr>
+        <p:spPr/>
+        <p:txBody>
+          <a:bodyPr/>
+          <a:lstStyle/>
+          <a:p>
+            <a:r>
+              <a:rPr lang="en-US" altLang="zh-CN" dirty="0" smtClean="0"/>
+              <a:t>S</a:t>
+            </a:r>
+            <a:r>
+              <a:rPr lang="zh-CN" altLang="en-US" dirty="0" smtClean="0"/>
+              <a:t>曲线</a:t>
+            </a:r>
+            <a:endParaRPr lang="en-US" altLang="zh-CN" dirty="0" smtClean="0"/>
+          </a:p>
+          <a:p>
+            <a:pPr lvl="1"/>
+            <a:r>
+              <a:rPr lang="en-US" altLang="zh-CN" dirty="0" smtClean="0"/>
+              <a:t>S</a:t>
+            </a:r>
+            <a:r>
+              <a:rPr lang="zh-CN" altLang="en-US" dirty="0" smtClean="0"/>
+              <a:t>曲线有一定展宽</a:t>
+            </a:r>
+            <a:endParaRPr lang="en-US" altLang="zh-CN" dirty="0" smtClean="0"/>
+          </a:p>
+        </p:txBody>
+      </p:sp>
+      <p:pic>
+        <p:nvPicPr>
+          <p:cNvPr id="4" name="图片 3"/>
+          <p:cNvPicPr>
+            <a:picLocks noChangeAspect="1"/>
+          </p:cNvPicPr>
+          <p:nvPr/>
+        </p:nvPicPr>
+        <p:blipFill>
+          <a:blip r:embed="rId2">
+            <a:extLst>
+              <a:ext uri="{28A0092B-C50C-407E-A947-70E740481C1C}">
+                <a14:useLocalDpi xmlns:a14="http://schemas.microsoft.com/office/drawing/2010/main" val="0"/>
+              </a:ext>
+            </a:extLst>
+          </a:blip>
+          <a:stretch>
+            <a:fillRect/>
+          </a:stretch>
+        </p:blipFill>
+        <p:spPr>
+          <a:xfrm>
+            <a:off x="686760" y="3356776"/>
+            <a:ext cx="3840000" cy="2880000"/>
+          </a:xfrm>
+          <a:prstGeom prst="rect">
+            <a:avLst/>
+          </a:prstGeom>
+        </p:spPr>
+      </p:pic>
+      <p:pic>
+        <p:nvPicPr>
+          <p:cNvPr id="5" name="图片 4"/>
+          <p:cNvPicPr>
+            <a:picLocks noChangeAspect="1"/>
+          </p:cNvPicPr>
+          <p:nvPr/>
+        </p:nvPicPr>
+        <p:blipFill>
+          <a:blip r:embed="rId3">
+            <a:extLst>
+              <a:ext uri="{28A0092B-C50C-407E-A947-70E740481C1C}">
+                <a14:useLocalDpi xmlns:a14="http://schemas.microsoft.com/office/drawing/2010/main" val="0"/>
+              </a:ext>
+            </a:extLst>
+          </a:blip>
+          <a:stretch>
+            <a:fillRect/>
+          </a:stretch>
+        </p:blipFill>
+        <p:spPr>
+          <a:xfrm>
+            <a:off x="5304000" y="3356776"/>
+            <a:ext cx="3840000" cy="2880000"/>
+          </a:xfrm>
+          <a:prstGeom prst="rect">
+            <a:avLst/>
+          </a:prstGeom>
+        </p:spPr>
+      </p:pic>
+      <p:pic>
+        <p:nvPicPr>
+          <p:cNvPr id="7" name="图片 6"/>
+          <p:cNvPicPr>
+            <a:picLocks noChangeAspect="1"/>
+          </p:cNvPicPr>
+          <p:nvPr/>
+        </p:nvPicPr>
+        <p:blipFill>
+          <a:blip r:embed="rId4">
+            <a:extLst>
+              <a:ext uri="{28A0092B-C50C-407E-A947-70E740481C1C}">
+                <a14:useLocalDpi xmlns:a14="http://schemas.microsoft.com/office/drawing/2010/main" val="0"/>
+              </a:ext>
+            </a:extLst>
+          </a:blip>
+          <a:stretch>
+            <a:fillRect/>
+          </a:stretch>
+        </p:blipFill>
+        <p:spPr>
+          <a:xfrm>
+            <a:off x="4824000" y="0"/>
+            <a:ext cx="4320000" cy="3240000"/>
+          </a:xfrm>
+          <a:prstGeom prst="rect">
+            <a:avLst/>
+          </a:prstGeom>
+        </p:spPr>
+      </p:pic>
+    </p:spTree>
+    <p:extLst>
+      <p:ext uri="{BB962C8B-B14F-4D97-AF65-F5344CB8AC3E}">
+        <p14:creationId xmlns:p14="http://schemas.microsoft.com/office/powerpoint/2010/main" val="2687701009"/>
+      </p:ext>
+    </p:extLst>
+  </p:cSld>
+  <p:clrMapOvr>
+    <a:masterClrMapping/>
+  </p:clrMapOvr>
+  <p:timing>
+    <p:tnLst>
+      <p:par>
+        <p:cTn id="1" dur="indefinite" restart="never" nodeType="tmRoot"/>
+      </p:par>
+    </p:tnLst>
+  </p:timing>
+</p:sld>
+</file>
+
+<file path=ppt/slides/slide13.xml><?xml version="1.0" encoding="utf-8"?>
+<p:sld xmlns:a="http://schemas.openxmlformats.org/drawingml/2006/main" xmlns:r="http://schemas.openxmlformats.org/officeDocument/2006/relationships" xmlns:p="http://schemas.openxmlformats.org/presentationml/2006/main">
+  <p:cSld>
+    <p:spTree>
+      <p:nvGrpSpPr>
+        <p:cNvPr id="1" name=""/>
+        <p:cNvGrpSpPr/>
+        <p:nvPr/>
+      </p:nvGrpSpPr>
+      <p:grpSpPr>
+        <a:xfrm>
+          <a:off x="0" y="0"/>
+          <a:ext cx="0" cy="0"/>
+          <a:chOff x="0" y="0"/>
+          <a:chExt cx="0" cy="0"/>
+        </a:xfrm>
+      </p:grpSpPr>
+      <p:sp>
+        <p:nvSpPr>
+          <p:cNvPr id="2" name="标题 1"/>
+          <p:cNvSpPr>
+            <a:spLocks noGrp="1"/>
+          </p:cNvSpPr>
+          <p:nvPr>
+            <p:ph type="title"/>
+          </p:nvPr>
+        </p:nvSpPr>
+        <p:spPr/>
+        <p:txBody>
+          <a:bodyPr/>
+          <a:lstStyle/>
+          <a:p>
+            <a:r>
+              <a:rPr lang="zh-CN" altLang="en-US" dirty="0" smtClean="0"/>
+              <a:t>下一步</a:t>
+            </a:r>
+            <a:endParaRPr lang="zh-CN" altLang="en-US" dirty="0"/>
+          </a:p>
+        </p:txBody>
+      </p:sp>
+      <p:sp>
+        <p:nvSpPr>
+          <p:cNvPr id="3" name="内容占位符 2"/>
+          <p:cNvSpPr>
+            <a:spLocks noGrp="1"/>
+          </p:cNvSpPr>
+          <p:nvPr>
+            <p:ph idx="1"/>
+          </p:nvPr>
+        </p:nvSpPr>
+        <p:spPr/>
+        <p:txBody>
+          <a:bodyPr/>
+          <a:lstStyle/>
+          <a:p>
+            <a:r>
+              <a:rPr lang="zh-CN" altLang="en-US" dirty="0" smtClean="0"/>
+              <a:t>对不同电荷输入做</a:t>
+            </a:r>
+            <a:r>
+              <a:rPr lang="en-US" altLang="zh-CN" dirty="0" smtClean="0"/>
+              <a:t>S</a:t>
+            </a:r>
+            <a:r>
+              <a:rPr lang="zh-CN" altLang="en-US" dirty="0" smtClean="0"/>
+              <a:t>曲线</a:t>
+            </a:r>
+            <a:endParaRPr lang="en-US" altLang="zh-CN" dirty="0" smtClean="0"/>
+          </a:p>
+          <a:p>
+            <a:pPr lvl="1"/>
+            <a:r>
+              <a:rPr lang="zh-CN" altLang="en-US" dirty="0" smtClean="0"/>
+              <a:t>找到该电荷量对应的阈值</a:t>
+            </a:r>
+            <a:endParaRPr lang="en-US" altLang="zh-CN" dirty="0" smtClean="0"/>
+          </a:p>
+          <a:p>
+            <a:pPr lvl="1"/>
+            <a:endParaRPr lang="en-US" altLang="zh-CN" dirty="0"/>
+          </a:p>
+          <a:p>
+            <a:r>
+              <a:rPr lang="zh-CN" altLang="en-US" dirty="0" smtClean="0"/>
+              <a:t>接上探测器测“计数率</a:t>
+            </a:r>
+            <a:r>
+              <a:rPr lang="en-US" altLang="zh-CN" dirty="0" smtClean="0"/>
+              <a:t>-</a:t>
+            </a:r>
+            <a:r>
+              <a:rPr lang="zh-CN" altLang="en-US" dirty="0" smtClean="0"/>
+              <a:t>阈值”曲线</a:t>
+            </a:r>
+            <a:endParaRPr lang="en-US" altLang="zh-CN" dirty="0" smtClean="0"/>
+          </a:p>
+          <a:p>
+            <a:pPr lvl="1"/>
+            <a:r>
+              <a:rPr lang="zh-CN" altLang="en-US" dirty="0" smtClean="0"/>
+              <a:t>测量不同阈值下的计数率</a:t>
+            </a:r>
+            <a:endParaRPr lang="en-US" altLang="zh-CN" dirty="0" smtClean="0"/>
+          </a:p>
+          <a:p>
+            <a:pPr lvl="1"/>
+            <a:r>
+              <a:rPr lang="zh-CN" altLang="en-US" dirty="0" smtClean="0"/>
+              <a:t>根据计数率计算探测器输出电荷量的分布</a:t>
+            </a:r>
+            <a:endParaRPr lang="en-US" altLang="zh-CN" dirty="0" smtClean="0"/>
+          </a:p>
+          <a:p>
+            <a:pPr lvl="1"/>
+            <a:r>
+              <a:rPr lang="zh-CN" altLang="en-US" dirty="0" smtClean="0"/>
+              <a:t>可以在现有的</a:t>
+            </a:r>
+            <a:r>
+              <a:rPr lang="en-US" altLang="zh-CN" dirty="0" smtClean="0"/>
+              <a:t>S</a:t>
+            </a:r>
+            <a:r>
+              <a:rPr lang="zh-CN" altLang="en-US" dirty="0" smtClean="0"/>
+              <a:t>曲线测试基础上修改，工作量不大</a:t>
+            </a:r>
+            <a:endParaRPr lang="zh-CN" altLang="en-US" dirty="0"/>
+          </a:p>
+        </p:txBody>
+      </p:sp>
+    </p:spTree>
+    <p:extLst>
+      <p:ext uri="{BB962C8B-B14F-4D97-AF65-F5344CB8AC3E}">
+        <p14:creationId xmlns:p14="http://schemas.microsoft.com/office/powerpoint/2010/main" val="4294211302"/>
+      </p:ext>
+    </p:extLst>
+  </p:cSld>
+  <p:clrMapOvr>
+    <a:masterClrMapping/>
+  </p:clrMapOvr>
+  <p:timing>
+    <p:tnLst>
+      <p:par>
+        <p:cTn id="1" dur="indefinite" restart="never" nodeType="tmRoot"/>
+      </p:par>
+    </p:tnLst>
+  </p:timing>
+</p:sld>
+</file>
+
+<file path=ppt/slides/slide14.xml><?xml version="1.0" encoding="utf-8"?>
+<p:sld xmlns:a="http://schemas.openxmlformats.org/drawingml/2006/main" xmlns:r="http://schemas.openxmlformats.org/officeDocument/2006/relationships" xmlns:p="http://schemas.openxmlformats.org/presentationml/2006/main">
+  <p:cSld>
+    <p:spTree>
+      <p:nvGrpSpPr>
+        <p:cNvPr id="1" name=""/>
+        <p:cNvGrpSpPr/>
+        <p:nvPr/>
+      </p:nvGrpSpPr>
+      <p:grpSpPr>
+        <a:xfrm>
+          <a:off x="0" y="0"/>
+          <a:ext cx="0" cy="0"/>
+          <a:chOff x="0" y="0"/>
+          <a:chExt cx="0" cy="0"/>
+        </a:xfrm>
+      </p:grpSpPr>
+      <p:sp>
+        <p:nvSpPr>
+          <p:cNvPr id="2" name="标题 1"/>
+          <p:cNvSpPr>
+            <a:spLocks noGrp="1"/>
+          </p:cNvSpPr>
+          <p:nvPr>
+            <p:ph type="title"/>
+          </p:nvPr>
+        </p:nvSpPr>
+        <p:spPr/>
+        <p:txBody>
+          <a:bodyPr/>
+          <a:lstStyle/>
+          <a:p>
+            <a:r>
+              <a:rPr lang="zh-CN" altLang="en-US" dirty="0" smtClean="0"/>
+              <a:t>下一步</a:t>
+            </a:r>
+            <a:endParaRPr lang="zh-CN" altLang="en-US" dirty="0"/>
+          </a:p>
+        </p:txBody>
+      </p:sp>
+      <p:sp>
+        <p:nvSpPr>
+          <p:cNvPr id="3" name="内容占位符 2"/>
+          <p:cNvSpPr>
+            <a:spLocks noGrp="1"/>
+          </p:cNvSpPr>
+          <p:nvPr>
+            <p:ph idx="1"/>
+          </p:nvPr>
+        </p:nvSpPr>
+        <p:spPr/>
+        <p:txBody>
+          <a:bodyPr/>
+          <a:lstStyle/>
+          <a:p>
+            <a:r>
+              <a:rPr lang="zh-CN" altLang="en-US" dirty="0" smtClean="0"/>
+              <a:t>四片</a:t>
+            </a:r>
+            <a:r>
+              <a:rPr lang="en-US" altLang="zh-CN" dirty="0" smtClean="0"/>
+              <a:t>ASIC</a:t>
+            </a:r>
+            <a:r>
+              <a:rPr lang="zh-CN" altLang="en-US" dirty="0" smtClean="0"/>
+              <a:t>同时工作</a:t>
+            </a:r>
+            <a:endParaRPr lang="en-US" altLang="zh-CN" dirty="0" smtClean="0"/>
+          </a:p>
+          <a:p>
+            <a:pPr lvl="1"/>
+            <a:r>
+              <a:rPr lang="zh-CN" altLang="en-US" dirty="0" smtClean="0"/>
+              <a:t>配置：</a:t>
+            </a:r>
+            <a:endParaRPr lang="en-US" altLang="zh-CN" dirty="0" smtClean="0"/>
+          </a:p>
+          <a:p>
+            <a:pPr lvl="2"/>
+            <a:r>
+              <a:rPr lang="en-US" altLang="zh-CN" dirty="0" smtClean="0"/>
+              <a:t>ASIC</a:t>
+            </a:r>
+            <a:r>
+              <a:rPr lang="zh-CN" altLang="en-US" dirty="0"/>
+              <a:t>菊花链</a:t>
+            </a:r>
+            <a:r>
+              <a:rPr lang="zh-CN" altLang="en-US" dirty="0" smtClean="0"/>
+              <a:t>配置</a:t>
+            </a:r>
+            <a:endParaRPr lang="en-US" altLang="zh-CN" dirty="0" smtClean="0"/>
+          </a:p>
+          <a:p>
+            <a:pPr lvl="2"/>
+            <a:r>
+              <a:rPr lang="zh-CN" altLang="en-US" dirty="0" smtClean="0"/>
+              <a:t>修改量很小</a:t>
+            </a:r>
+            <a:endParaRPr lang="en-US" altLang="zh-CN" dirty="0" smtClean="0"/>
+          </a:p>
+          <a:p>
+            <a:pPr lvl="1"/>
+            <a:r>
+              <a:rPr lang="zh-CN" altLang="en-US" dirty="0" smtClean="0"/>
+              <a:t>数据采集</a:t>
+            </a:r>
+            <a:endParaRPr lang="en-US" altLang="zh-CN" dirty="0" smtClean="0"/>
+          </a:p>
+          <a:p>
+            <a:pPr lvl="2"/>
+            <a:r>
+              <a:rPr lang="en-US" altLang="zh-CN" dirty="0" smtClean="0"/>
+              <a:t>4</a:t>
+            </a:r>
+            <a:r>
+              <a:rPr lang="zh-CN" altLang="en-US" dirty="0" smtClean="0"/>
+              <a:t>片</a:t>
+            </a:r>
+            <a:r>
+              <a:rPr lang="en-US" altLang="zh-CN" dirty="0" smtClean="0"/>
+              <a:t>ASIC</a:t>
+            </a:r>
+            <a:r>
+              <a:rPr lang="zh-CN" altLang="en-US" dirty="0" smtClean="0"/>
+              <a:t>的</a:t>
+            </a:r>
+            <a:r>
+              <a:rPr lang="en-US" altLang="zh-CN" dirty="0" err="1" smtClean="0"/>
+              <a:t>Start_Acq</a:t>
+            </a:r>
+            <a:r>
+              <a:rPr lang="zh-CN" altLang="en-US" dirty="0" smtClean="0"/>
+              <a:t>信号同时给出</a:t>
+            </a:r>
+            <a:endParaRPr lang="en-US" altLang="zh-CN" dirty="0" smtClean="0"/>
+          </a:p>
+          <a:p>
+            <a:pPr lvl="2"/>
+            <a:r>
+              <a:rPr lang="zh-CN" altLang="en-US" dirty="0" smtClean="0"/>
+              <a:t>工作模式</a:t>
+            </a:r>
+            <a:endParaRPr lang="en-US" altLang="zh-CN" dirty="0" smtClean="0"/>
+          </a:p>
+          <a:p>
+            <a:pPr lvl="3"/>
+            <a:r>
+              <a:rPr lang="zh-CN" altLang="en-US" dirty="0" smtClean="0"/>
+              <a:t>单片</a:t>
+            </a:r>
+            <a:r>
+              <a:rPr lang="en-US" altLang="zh-CN" dirty="0" smtClean="0"/>
+              <a:t>ASIC</a:t>
+            </a:r>
+            <a:r>
+              <a:rPr lang="zh-CN" altLang="en-US" dirty="0" smtClean="0"/>
+              <a:t>的工作模式：任何一个通道被击中，这片</a:t>
+            </a:r>
+            <a:r>
+              <a:rPr lang="en-US" altLang="zh-CN" dirty="0" smtClean="0"/>
+              <a:t>ASIC</a:t>
+            </a:r>
+            <a:r>
+              <a:rPr lang="zh-CN" altLang="en-US" dirty="0" smtClean="0"/>
+              <a:t>所有通道的比较结果都会被写入</a:t>
+            </a:r>
+            <a:r>
+              <a:rPr lang="en-US" altLang="zh-CN" dirty="0" smtClean="0"/>
+              <a:t>RAM</a:t>
+            </a:r>
+          </a:p>
+          <a:p>
+            <a:pPr lvl="3"/>
+            <a:r>
+              <a:rPr lang="zh-CN" altLang="en-US" dirty="0" smtClean="0"/>
+              <a:t>多片</a:t>
+            </a:r>
+            <a:r>
+              <a:rPr lang="en-US" altLang="zh-CN" dirty="0" smtClean="0"/>
+              <a:t>ASIC</a:t>
+            </a:r>
+            <a:r>
+              <a:rPr lang="zh-CN" altLang="en-US" dirty="0" smtClean="0"/>
+              <a:t>工作时：其中一片</a:t>
+            </a:r>
+            <a:r>
+              <a:rPr lang="en-US" altLang="zh-CN" dirty="0" smtClean="0"/>
+              <a:t>AISC</a:t>
+            </a:r>
+            <a:r>
+              <a:rPr lang="zh-CN" altLang="en-US" dirty="0" smtClean="0"/>
+              <a:t>被击中时，其他</a:t>
+            </a:r>
+            <a:r>
+              <a:rPr lang="en-US" altLang="zh-CN" dirty="0" smtClean="0"/>
+              <a:t>ASIC</a:t>
+            </a:r>
+            <a:r>
+              <a:rPr lang="zh-CN" altLang="en-US" dirty="0" smtClean="0"/>
+              <a:t>的比较结果是否需要写入</a:t>
+            </a:r>
+            <a:r>
+              <a:rPr lang="en-US" altLang="zh-CN" dirty="0" smtClean="0"/>
+              <a:t>RAM</a:t>
+            </a:r>
+            <a:r>
+              <a:rPr lang="zh-CN" altLang="en-US" dirty="0" smtClean="0"/>
+              <a:t>？</a:t>
+            </a:r>
+            <a:endParaRPr lang="en-US" altLang="zh-CN" dirty="0" smtClean="0"/>
+          </a:p>
+          <a:p>
+            <a:pPr lvl="2"/>
+            <a:endParaRPr lang="zh-CN" altLang="en-US" dirty="0"/>
+          </a:p>
+        </p:txBody>
+      </p:sp>
+    </p:spTree>
+    <p:extLst>
+      <p:ext uri="{BB962C8B-B14F-4D97-AF65-F5344CB8AC3E}">
+        <p14:creationId xmlns:p14="http://schemas.microsoft.com/office/powerpoint/2010/main" val="2793511386"/>
+      </p:ext>
+    </p:extLst>
+  </p:cSld>
+  <p:clrMapOvr>
+    <a:masterClrMapping/>
+  </p:clrMapOvr>
+  <p:timing>
+    <p:tnLst>
+      <p:par>
+        <p:cTn id="1" dur="indefinite" restart="never" nodeType="tmRoot"/>
+      </p:par>
+    </p:tnLst>
+  </p:timing>
+</p:sld>
+</file>
+
 <file path=ppt/slides/slide2.xml><?xml version="1.0" encoding="utf-8"?>
 <p:sld xmlns:a="http://schemas.openxmlformats.org/drawingml/2006/main" xmlns:r="http://schemas.openxmlformats.org/officeDocument/2006/relationships" xmlns:p="http://schemas.openxmlformats.org/presentationml/2006/main">
   <p:cSld>
@@ -3949,6 +5004,399 @@
           <a:chExt cx="0" cy="0"/>
         </a:xfrm>
       </p:grpSpPr>
+      <p:grpSp>
+        <p:nvGrpSpPr>
+          <p:cNvPr id="20" name="组合 19"/>
+          <p:cNvGrpSpPr/>
+          <p:nvPr/>
+        </p:nvGrpSpPr>
+        <p:grpSpPr>
+          <a:xfrm>
+            <a:off x="3353031" y="2898000"/>
+            <a:ext cx="5790969" cy="3960000"/>
+            <a:chOff x="3353031" y="2268071"/>
+            <a:chExt cx="5790969" cy="4067219"/>
+          </a:xfrm>
+        </p:grpSpPr>
+        <p:grpSp>
+          <p:nvGrpSpPr>
+            <p:cNvPr id="12" name="组合 11"/>
+            <p:cNvGrpSpPr/>
+            <p:nvPr/>
+          </p:nvGrpSpPr>
+          <p:grpSpPr>
+            <a:xfrm>
+              <a:off x="3353031" y="2268071"/>
+              <a:ext cx="5790969" cy="4067219"/>
+              <a:chOff x="3353031" y="2268071"/>
+              <a:chExt cx="5790969" cy="4067219"/>
+            </a:xfrm>
+          </p:grpSpPr>
+          <p:pic>
+            <p:nvPicPr>
+              <p:cNvPr id="5" name="图片 4"/>
+              <p:cNvPicPr>
+                <a:picLocks noChangeAspect="1"/>
+              </p:cNvPicPr>
+              <p:nvPr/>
+            </p:nvPicPr>
+            <p:blipFill>
+              <a:blip r:embed="rId2">
+                <a:extLst>
+                  <a:ext uri="{28A0092B-C50C-407E-A947-70E740481C1C}">
+                    <a14:useLocalDpi xmlns:a14="http://schemas.microsoft.com/office/drawing/2010/main" val="0"/>
+                  </a:ext>
+                </a:extLst>
+              </a:blip>
+              <a:stretch>
+                <a:fillRect/>
+              </a:stretch>
+            </p:blipFill>
+            <p:spPr>
+              <a:xfrm>
+                <a:off x="3353031" y="2268071"/>
+                <a:ext cx="5790969" cy="4067219"/>
+              </a:xfrm>
+              <a:prstGeom prst="rect">
+                <a:avLst/>
+              </a:prstGeom>
+            </p:spPr>
+          </p:pic>
+          <p:sp>
+            <p:nvSpPr>
+              <p:cNvPr id="6" name="文本框 5"/>
+              <p:cNvSpPr txBox="1"/>
+              <p:nvPr/>
+            </p:nvSpPr>
+            <p:spPr>
+              <a:xfrm>
+                <a:off x="6221506" y="2572870"/>
+                <a:ext cx="255198" cy="369332"/>
+              </a:xfrm>
+              <a:prstGeom prst="rect">
+                <a:avLst/>
+              </a:prstGeom>
+              <a:noFill/>
+            </p:spPr>
+            <p:txBody>
+              <a:bodyPr wrap="none" rtlCol="0">
+                <a:spAutoFit/>
+              </a:bodyPr>
+              <a:lstStyle/>
+              <a:p>
+                <a:r>
+                  <a:rPr lang="en-US" altLang="zh-CN" dirty="0" smtClean="0"/>
+                  <a:t>-</a:t>
+                </a:r>
+                <a:endParaRPr lang="zh-CN" altLang="en-US" dirty="0"/>
+              </a:p>
+            </p:txBody>
+          </p:sp>
+          <p:sp>
+            <p:nvSpPr>
+              <p:cNvPr id="7" name="文本框 6"/>
+              <p:cNvSpPr txBox="1"/>
+              <p:nvPr/>
+            </p:nvSpPr>
+            <p:spPr>
+              <a:xfrm>
+                <a:off x="6221506" y="2777797"/>
+                <a:ext cx="242047" cy="276999"/>
+              </a:xfrm>
+              <a:prstGeom prst="rect">
+                <a:avLst/>
+              </a:prstGeom>
+              <a:noFill/>
+            </p:spPr>
+            <p:txBody>
+              <a:bodyPr wrap="square" rtlCol="0">
+                <a:spAutoFit/>
+              </a:bodyPr>
+              <a:lstStyle/>
+              <a:p>
+                <a:r>
+                  <a:rPr lang="en-US" altLang="zh-CN" sz="1200" dirty="0" smtClean="0"/>
+                  <a:t>+</a:t>
+                </a:r>
+                <a:endParaRPr lang="zh-CN" altLang="en-US" sz="1200" dirty="0"/>
+              </a:p>
+            </p:txBody>
+          </p:sp>
+          <p:sp>
+            <p:nvSpPr>
+              <p:cNvPr id="8" name="文本框 7"/>
+              <p:cNvSpPr txBox="1"/>
+              <p:nvPr/>
+            </p:nvSpPr>
+            <p:spPr>
+              <a:xfrm>
+                <a:off x="6221506" y="2995335"/>
+                <a:ext cx="255198" cy="369332"/>
+              </a:xfrm>
+              <a:prstGeom prst="rect">
+                <a:avLst/>
+              </a:prstGeom>
+              <a:noFill/>
+            </p:spPr>
+            <p:txBody>
+              <a:bodyPr wrap="none" rtlCol="0">
+                <a:spAutoFit/>
+              </a:bodyPr>
+              <a:lstStyle/>
+              <a:p>
+                <a:r>
+                  <a:rPr lang="en-US" altLang="zh-CN" dirty="0" smtClean="0"/>
+                  <a:t>-</a:t>
+                </a:r>
+                <a:endParaRPr lang="zh-CN" altLang="en-US" dirty="0"/>
+              </a:p>
+            </p:txBody>
+          </p:sp>
+          <p:sp>
+            <p:nvSpPr>
+              <p:cNvPr id="9" name="文本框 8"/>
+              <p:cNvSpPr txBox="1"/>
+              <p:nvPr/>
+            </p:nvSpPr>
+            <p:spPr>
+              <a:xfrm>
+                <a:off x="6221506" y="3200262"/>
+                <a:ext cx="242047" cy="276999"/>
+              </a:xfrm>
+              <a:prstGeom prst="rect">
+                <a:avLst/>
+              </a:prstGeom>
+              <a:noFill/>
+            </p:spPr>
+            <p:txBody>
+              <a:bodyPr wrap="square" rtlCol="0">
+                <a:spAutoFit/>
+              </a:bodyPr>
+              <a:lstStyle/>
+              <a:p>
+                <a:r>
+                  <a:rPr lang="en-US" altLang="zh-CN" sz="1200" dirty="0" smtClean="0"/>
+                  <a:t>+</a:t>
+                </a:r>
+                <a:endParaRPr lang="zh-CN" altLang="en-US" sz="1200" dirty="0"/>
+              </a:p>
+            </p:txBody>
+          </p:sp>
+          <p:sp>
+            <p:nvSpPr>
+              <p:cNvPr id="10" name="文本框 9"/>
+              <p:cNvSpPr txBox="1"/>
+              <p:nvPr/>
+            </p:nvSpPr>
+            <p:spPr>
+              <a:xfrm>
+                <a:off x="6164356" y="3861119"/>
+                <a:ext cx="255198" cy="369332"/>
+              </a:xfrm>
+              <a:prstGeom prst="rect">
+                <a:avLst/>
+              </a:prstGeom>
+              <a:noFill/>
+            </p:spPr>
+            <p:txBody>
+              <a:bodyPr wrap="none" rtlCol="0">
+                <a:spAutoFit/>
+              </a:bodyPr>
+              <a:lstStyle/>
+              <a:p>
+                <a:r>
+                  <a:rPr lang="en-US" altLang="zh-CN" dirty="0" smtClean="0"/>
+                  <a:t>-</a:t>
+                </a:r>
+                <a:endParaRPr lang="zh-CN" altLang="en-US" dirty="0"/>
+              </a:p>
+            </p:txBody>
+          </p:sp>
+          <p:sp>
+            <p:nvSpPr>
+              <p:cNvPr id="11" name="文本框 10"/>
+              <p:cNvSpPr txBox="1"/>
+              <p:nvPr/>
+            </p:nvSpPr>
+            <p:spPr>
+              <a:xfrm>
+                <a:off x="6164356" y="4066046"/>
+                <a:ext cx="242047" cy="276999"/>
+              </a:xfrm>
+              <a:prstGeom prst="rect">
+                <a:avLst/>
+              </a:prstGeom>
+              <a:noFill/>
+            </p:spPr>
+            <p:txBody>
+              <a:bodyPr wrap="square" rtlCol="0">
+                <a:spAutoFit/>
+              </a:bodyPr>
+              <a:lstStyle/>
+              <a:p>
+                <a:r>
+                  <a:rPr lang="en-US" altLang="zh-CN" sz="1200" dirty="0" smtClean="0"/>
+                  <a:t>+</a:t>
+                </a:r>
+                <a:endParaRPr lang="zh-CN" altLang="en-US" sz="1200" dirty="0"/>
+              </a:p>
+            </p:txBody>
+          </p:sp>
+        </p:grpSp>
+        <p:sp>
+          <p:nvSpPr>
+            <p:cNvPr id="13" name="文本框 12"/>
+            <p:cNvSpPr txBox="1"/>
+            <p:nvPr/>
+          </p:nvSpPr>
+          <p:spPr>
+            <a:xfrm>
+              <a:off x="5045076" y="3155950"/>
+              <a:ext cx="749299" cy="246221"/>
+            </a:xfrm>
+            <a:prstGeom prst="rect">
+              <a:avLst/>
+            </a:prstGeom>
+            <a:noFill/>
+            <a:ln>
+              <a:solidFill>
+                <a:schemeClr val="tx1"/>
+              </a:solidFill>
+            </a:ln>
+          </p:spPr>
+          <p:txBody>
+            <a:bodyPr wrap="square" rtlCol="0">
+              <a:spAutoFit/>
+            </a:bodyPr>
+            <a:lstStyle/>
+            <a:p>
+              <a:r>
+                <a:rPr lang="en-US" altLang="zh-CN" sz="1000" dirty="0" smtClean="0">
+                  <a:solidFill>
+                    <a:srgbClr val="5555C1"/>
+                  </a:solidFill>
+                </a:rPr>
+                <a:t>10-bit DAC</a:t>
+              </a:r>
+              <a:endParaRPr lang="zh-CN" altLang="en-US" sz="1000" dirty="0">
+                <a:solidFill>
+                  <a:srgbClr val="5555C1"/>
+                </a:solidFill>
+              </a:endParaRPr>
+            </a:p>
+          </p:txBody>
+        </p:sp>
+        <p:cxnSp>
+          <p:nvCxnSpPr>
+            <p:cNvPr id="15" name="直接箭头连接符 14"/>
+            <p:cNvCxnSpPr>
+              <a:stCxn id="13" idx="3"/>
+            </p:cNvCxnSpPr>
+            <p:nvPr/>
+          </p:nvCxnSpPr>
+          <p:spPr>
+            <a:xfrm flipV="1">
+              <a:off x="5794375" y="2942202"/>
+              <a:ext cx="285750" cy="336859"/>
+            </a:xfrm>
+            <a:prstGeom prst="straightConnector1">
+              <a:avLst/>
+            </a:prstGeom>
+            <a:ln>
+              <a:solidFill>
+                <a:schemeClr val="tx1"/>
+              </a:solidFill>
+              <a:tailEnd type="triangle"/>
+            </a:ln>
+          </p:spPr>
+          <p:style>
+            <a:lnRef idx="1">
+              <a:schemeClr val="accent1"/>
+            </a:lnRef>
+            <a:fillRef idx="0">
+              <a:schemeClr val="accent1"/>
+            </a:fillRef>
+            <a:effectRef idx="0">
+              <a:schemeClr val="accent1"/>
+            </a:effectRef>
+            <a:fontRef idx="minor">
+              <a:schemeClr val="tx1"/>
+            </a:fontRef>
+          </p:style>
+        </p:cxnSp>
+        <p:cxnSp>
+          <p:nvCxnSpPr>
+            <p:cNvPr id="16" name="直接箭头连接符 15"/>
+            <p:cNvCxnSpPr/>
+            <p:nvPr/>
+          </p:nvCxnSpPr>
+          <p:spPr>
+            <a:xfrm>
+              <a:off x="5794375" y="3279061"/>
+              <a:ext cx="314325" cy="85606"/>
+            </a:xfrm>
+            <a:prstGeom prst="straightConnector1">
+              <a:avLst/>
+            </a:prstGeom>
+            <a:ln>
+              <a:solidFill>
+                <a:schemeClr val="tx1"/>
+              </a:solidFill>
+              <a:tailEnd type="triangle"/>
+            </a:ln>
+          </p:spPr>
+          <p:style>
+            <a:lnRef idx="1">
+              <a:schemeClr val="accent1"/>
+            </a:lnRef>
+            <a:fillRef idx="0">
+              <a:schemeClr val="accent1"/>
+            </a:fillRef>
+            <a:effectRef idx="0">
+              <a:schemeClr val="accent1"/>
+            </a:effectRef>
+            <a:fontRef idx="minor">
+              <a:schemeClr val="tx1"/>
+            </a:fontRef>
+          </p:style>
+        </p:cxnSp>
+        <p:cxnSp>
+          <p:nvCxnSpPr>
+            <p:cNvPr id="18" name="直接箭头连接符 17"/>
+            <p:cNvCxnSpPr/>
+            <p:nvPr/>
+          </p:nvCxnSpPr>
+          <p:spPr>
+            <a:xfrm>
+              <a:off x="5800950" y="3279061"/>
+              <a:ext cx="256950" cy="978614"/>
+            </a:xfrm>
+            <a:prstGeom prst="straightConnector1">
+              <a:avLst/>
+            </a:prstGeom>
+            <a:ln>
+              <a:solidFill>
+                <a:schemeClr val="tx1"/>
+              </a:solidFill>
+              <a:tailEnd type="triangle"/>
+            </a:ln>
+          </p:spPr>
+          <p:style>
+            <a:lnRef idx="1">
+              <a:schemeClr val="accent1"/>
+            </a:lnRef>
+            <a:fillRef idx="0">
+              <a:schemeClr val="accent1"/>
+            </a:fillRef>
+            <a:effectRef idx="0">
+              <a:schemeClr val="accent1"/>
+            </a:effectRef>
+            <a:fontRef idx="minor">
+              <a:schemeClr val="tx1"/>
+            </a:fontRef>
+          </p:style>
+        </p:cxnSp>
+      </p:grpSp>
       <p:sp>
         <p:nvSpPr>
           <p:cNvPr id="2" name="标题 1"/>
@@ -3964,6 +5412,14 @@
           <a:bodyPr/>
           <a:lstStyle/>
           <a:p>
+            <a:r>
+              <a:rPr lang="en-US" altLang="zh-CN" dirty="0" err="1" smtClean="0"/>
+              <a:t>Microroc</a:t>
+            </a:r>
+            <a:r>
+              <a:rPr lang="zh-CN" altLang="en-US" dirty="0" smtClean="0"/>
+              <a:t>工作方式</a:t>
+            </a:r>
             <a:endParaRPr lang="zh-CN" altLang="en-US" dirty="0"/>
           </a:p>
         </p:txBody>
@@ -3978,11 +5434,78 @@
             <p:ph idx="1"/>
           </p:nvPr>
         </p:nvSpPr>
-        <p:spPr/>
+        <p:spPr>
+          <a:xfrm>
+            <a:off x="822959" y="1175395"/>
+            <a:ext cx="3587116" cy="4693699"/>
+          </a:xfrm>
+        </p:spPr>
         <p:txBody>
           <a:bodyPr/>
           <a:lstStyle/>
           <a:p>
+            <a:r>
+              <a:rPr lang="zh-CN" altLang="en-US" dirty="0"/>
+              <a:t>模拟</a:t>
+            </a:r>
+            <a:r>
+              <a:rPr lang="zh-CN" altLang="en-US" dirty="0" smtClean="0"/>
+              <a:t>部分</a:t>
+            </a:r>
+            <a:endParaRPr lang="en-US" altLang="zh-CN" dirty="0" smtClean="0"/>
+          </a:p>
+          <a:p>
+            <a:pPr lvl="1"/>
+            <a:r>
+              <a:rPr lang="zh-CN" altLang="en-US" dirty="0" smtClean="0"/>
+              <a:t>信号经过成形后与比较器比较</a:t>
+            </a:r>
+            <a:endParaRPr lang="en-US" altLang="zh-CN" dirty="0" smtClean="0"/>
+          </a:p>
+          <a:p>
+            <a:pPr lvl="1"/>
+            <a:r>
+              <a:rPr lang="zh-CN" altLang="en-US" dirty="0" smtClean="0"/>
+              <a:t>比较器的结果由数字部分存储</a:t>
+            </a:r>
+            <a:endParaRPr lang="en-US" altLang="zh-CN" dirty="0" smtClean="0"/>
+          </a:p>
+          <a:p>
+            <a:pPr lvl="1"/>
+            <a:r>
+              <a:rPr lang="zh-CN" altLang="en-US" dirty="0" smtClean="0"/>
+              <a:t>比较器阈值分别由</a:t>
+            </a:r>
+            <a:endParaRPr lang="en-US" altLang="zh-CN" dirty="0" smtClean="0"/>
+          </a:p>
+          <a:p>
+            <a:pPr marL="201168" lvl="1" indent="0">
+              <a:buNone/>
+            </a:pPr>
+            <a:r>
+              <a:rPr lang="en-US" altLang="zh-CN" dirty="0" smtClean="0"/>
+              <a:t>   3</a:t>
+            </a:r>
+            <a:r>
+              <a:rPr lang="zh-CN" altLang="en-US" dirty="0" smtClean="0"/>
+              <a:t>个</a:t>
+            </a:r>
+            <a:r>
+              <a:rPr lang="en-US" altLang="zh-CN" dirty="0" smtClean="0"/>
+              <a:t>10-bit DAC</a:t>
+            </a:r>
+            <a:r>
+              <a:rPr lang="zh-CN" altLang="en-US" dirty="0" smtClean="0"/>
+              <a:t>提供</a:t>
+            </a:r>
+            <a:endParaRPr lang="en-US" altLang="zh-CN" dirty="0" smtClean="0"/>
+          </a:p>
+          <a:p>
+            <a:pPr lvl="1"/>
+            <a:endParaRPr lang="en-US" altLang="zh-CN" dirty="0" smtClean="0"/>
+          </a:p>
+          <a:p>
+            <a:pPr lvl="1"/>
             <a:endParaRPr lang="zh-CN" altLang="en-US" dirty="0"/>
           </a:p>
         </p:txBody>
@@ -3991,6 +5514,2795 @@
     <p:extLst>
       <p:ext uri="{BB962C8B-B14F-4D97-AF65-F5344CB8AC3E}">
         <p14:creationId xmlns:p14="http://schemas.microsoft.com/office/powerpoint/2010/main" val="1026467431"/>
+      </p:ext>
+    </p:extLst>
+  </p:cSld>
+  <p:clrMapOvr>
+    <a:masterClrMapping/>
+  </p:clrMapOvr>
+  <p:timing>
+    <p:tnLst>
+      <p:par>
+        <p:cTn id="1" dur="indefinite" restart="never" nodeType="tmRoot"/>
+      </p:par>
+    </p:tnLst>
+  </p:timing>
+</p:sld>
+</file>
+
+<file path=ppt/slides/slide3.xml><?xml version="1.0" encoding="utf-8"?>
+<p:sld xmlns:a="http://schemas.openxmlformats.org/drawingml/2006/main" xmlns:r="http://schemas.openxmlformats.org/officeDocument/2006/relationships" xmlns:p="http://schemas.openxmlformats.org/presentationml/2006/main">
+  <p:cSld>
+    <p:spTree>
+      <p:nvGrpSpPr>
+        <p:cNvPr id="1" name=""/>
+        <p:cNvGrpSpPr/>
+        <p:nvPr/>
+      </p:nvGrpSpPr>
+      <p:grpSpPr>
+        <a:xfrm>
+          <a:off x="0" y="0"/>
+          <a:ext cx="0" cy="0"/>
+          <a:chOff x="0" y="0"/>
+          <a:chExt cx="0" cy="0"/>
+        </a:xfrm>
+      </p:grpSpPr>
+      <p:grpSp>
+        <p:nvGrpSpPr>
+          <p:cNvPr id="9" name="组合 8"/>
+          <p:cNvGrpSpPr/>
+          <p:nvPr/>
+        </p:nvGrpSpPr>
+        <p:grpSpPr>
+          <a:xfrm>
+            <a:off x="2499359" y="1973580"/>
+            <a:ext cx="6804661" cy="4352924"/>
+            <a:chOff x="1945341" y="1688068"/>
+            <a:chExt cx="7198660" cy="4646056"/>
+          </a:xfrm>
+        </p:grpSpPr>
+        <p:pic>
+          <p:nvPicPr>
+            <p:cNvPr id="4" name="图片 3"/>
+            <p:cNvPicPr>
+              <a:picLocks noChangeAspect="1"/>
+            </p:cNvPicPr>
+            <p:nvPr/>
+          </p:nvPicPr>
+          <p:blipFill>
+            <a:blip r:embed="rId2">
+              <a:extLst>
+                <a:ext uri="{28A0092B-C50C-407E-A947-70E740481C1C}">
+                  <a14:useLocalDpi xmlns:a14="http://schemas.microsoft.com/office/drawing/2010/main" val="0"/>
+                </a:ext>
+              </a:extLst>
+            </a:blip>
+            <a:stretch>
+              <a:fillRect/>
+            </a:stretch>
+          </p:blipFill>
+          <p:spPr>
+            <a:xfrm>
+              <a:off x="1945341" y="2014928"/>
+              <a:ext cx="7198660" cy="4319196"/>
+            </a:xfrm>
+            <a:prstGeom prst="rect">
+              <a:avLst/>
+            </a:prstGeom>
+          </p:spPr>
+        </p:pic>
+        <p:sp>
+          <p:nvSpPr>
+            <p:cNvPr id="5" name="矩形 4"/>
+            <p:cNvSpPr/>
+            <p:nvPr/>
+          </p:nvSpPr>
+          <p:spPr>
+            <a:xfrm>
+              <a:off x="5553075" y="2767013"/>
+              <a:ext cx="576263" cy="385762"/>
+            </a:xfrm>
+            <a:prstGeom prst="rect">
+              <a:avLst/>
+            </a:prstGeom>
+            <a:noFill/>
+            <a:ln>
+              <a:solidFill>
+                <a:srgbClr val="FF0000"/>
+              </a:solidFill>
+            </a:ln>
+          </p:spPr>
+          <p:style>
+            <a:lnRef idx="2">
+              <a:schemeClr val="accent1">
+                <a:shade val="50000"/>
+              </a:schemeClr>
+            </a:lnRef>
+            <a:fillRef idx="1">
+              <a:schemeClr val="accent1"/>
+            </a:fillRef>
+            <a:effectRef idx="0">
+              <a:schemeClr val="accent1"/>
+            </a:effectRef>
+            <a:fontRef idx="minor">
+              <a:schemeClr val="lt1"/>
+            </a:fontRef>
+          </p:style>
+          <p:txBody>
+            <a:bodyPr rtlCol="0" anchor="ctr"/>
+            <a:lstStyle/>
+            <a:p>
+              <a:pPr algn="ctr"/>
+              <a:endParaRPr lang="zh-CN" altLang="en-US"/>
+            </a:p>
+          </p:txBody>
+        </p:sp>
+        <p:cxnSp>
+          <p:nvCxnSpPr>
+            <p:cNvPr id="7" name="直接箭头连接符 6"/>
+            <p:cNvCxnSpPr/>
+            <p:nvPr/>
+          </p:nvCxnSpPr>
+          <p:spPr>
+            <a:xfrm flipH="1">
+              <a:off x="5919788" y="2057400"/>
+              <a:ext cx="19050" cy="700088"/>
+            </a:xfrm>
+            <a:prstGeom prst="straightConnector1">
+              <a:avLst/>
+            </a:prstGeom>
+            <a:ln>
+              <a:solidFill>
+                <a:srgbClr val="FF0000"/>
+              </a:solidFill>
+              <a:tailEnd type="triangle"/>
+            </a:ln>
+          </p:spPr>
+          <p:style>
+            <a:lnRef idx="1">
+              <a:schemeClr val="accent1"/>
+            </a:lnRef>
+            <a:fillRef idx="0">
+              <a:schemeClr val="accent1"/>
+            </a:fillRef>
+            <a:effectRef idx="0">
+              <a:schemeClr val="accent1"/>
+            </a:effectRef>
+            <a:fontRef idx="minor">
+              <a:schemeClr val="tx1"/>
+            </a:fontRef>
+          </p:style>
+        </p:cxnSp>
+        <p:sp>
+          <p:nvSpPr>
+            <p:cNvPr id="8" name="文本框 7"/>
+            <p:cNvSpPr txBox="1"/>
+            <p:nvPr/>
+          </p:nvSpPr>
+          <p:spPr>
+            <a:xfrm>
+              <a:off x="5192737" y="1688068"/>
+              <a:ext cx="2658292" cy="369332"/>
+            </a:xfrm>
+            <a:prstGeom prst="rect">
+              <a:avLst/>
+            </a:prstGeom>
+            <a:noFill/>
+          </p:spPr>
+          <p:txBody>
+            <a:bodyPr wrap="none" rtlCol="0">
+              <a:spAutoFit/>
+            </a:bodyPr>
+            <a:lstStyle/>
+            <a:p>
+              <a:r>
+                <a:rPr lang="en-US" altLang="zh-CN" dirty="0" smtClean="0"/>
+                <a:t>64</a:t>
+              </a:r>
+              <a:r>
+                <a:rPr lang="zh-CN" altLang="en-US" dirty="0" smtClean="0"/>
+                <a:t>通道</a:t>
+              </a:r>
+              <a:r>
+                <a:rPr lang="en-US" altLang="zh-CN" dirty="0" smtClean="0"/>
+                <a:t>trigger</a:t>
+              </a:r>
+              <a:r>
+                <a:rPr lang="zh-CN" altLang="en-US" dirty="0"/>
+                <a:t>进行</a:t>
+              </a:r>
+              <a:r>
+                <a:rPr lang="zh-CN" altLang="en-US" dirty="0" smtClean="0"/>
+                <a:t>或操作</a:t>
+              </a:r>
+              <a:endParaRPr lang="zh-CN" altLang="en-US" dirty="0"/>
+            </a:p>
+          </p:txBody>
+        </p:sp>
+      </p:grpSp>
+      <p:sp>
+        <p:nvSpPr>
+          <p:cNvPr id="2" name="标题 1"/>
+          <p:cNvSpPr>
+            <a:spLocks noGrp="1"/>
+          </p:cNvSpPr>
+          <p:nvPr>
+            <p:ph type="title"/>
+          </p:nvPr>
+        </p:nvSpPr>
+        <p:spPr/>
+        <p:txBody>
+          <a:bodyPr/>
+          <a:lstStyle/>
+          <a:p>
+            <a:r>
+              <a:rPr lang="en-US" altLang="zh-CN" dirty="0" err="1" smtClean="0"/>
+              <a:t>Microroc</a:t>
+            </a:r>
+            <a:r>
+              <a:rPr lang="zh-CN" altLang="en-US" dirty="0" smtClean="0"/>
+              <a:t>工作方式</a:t>
+            </a:r>
+            <a:endParaRPr lang="zh-CN" altLang="en-US" dirty="0"/>
+          </a:p>
+        </p:txBody>
+      </p:sp>
+      <p:sp>
+        <p:nvSpPr>
+          <p:cNvPr id="3" name="内容占位符 2"/>
+          <p:cNvSpPr>
+            <a:spLocks noGrp="1"/>
+          </p:cNvSpPr>
+          <p:nvPr>
+            <p:ph idx="1"/>
+          </p:nvPr>
+        </p:nvSpPr>
+        <p:spPr>
+          <a:xfrm>
+            <a:off x="822960" y="1183015"/>
+            <a:ext cx="3642361" cy="569585"/>
+          </a:xfrm>
+        </p:spPr>
+        <p:txBody>
+          <a:bodyPr/>
+          <a:lstStyle/>
+          <a:p>
+            <a:r>
+              <a:rPr lang="zh-CN" altLang="en-US" dirty="0" smtClean="0"/>
+              <a:t>模拟</a:t>
+            </a:r>
+            <a:r>
+              <a:rPr lang="en-US" altLang="zh-CN" dirty="0" smtClean="0"/>
+              <a:t>--&gt;</a:t>
+            </a:r>
+            <a:r>
+              <a:rPr lang="zh-CN" altLang="en-US" dirty="0" smtClean="0"/>
+              <a:t>数字部分</a:t>
+            </a:r>
+          </a:p>
+        </p:txBody>
+      </p:sp>
+      <p:sp>
+        <p:nvSpPr>
+          <p:cNvPr id="11" name="内容占位符 2"/>
+          <p:cNvSpPr txBox="1">
+            <a:spLocks/>
+          </p:cNvSpPr>
+          <p:nvPr/>
+        </p:nvSpPr>
+        <p:spPr>
+          <a:xfrm>
+            <a:off x="556260" y="1752600"/>
+            <a:ext cx="2355055" cy="4693699"/>
+          </a:xfrm>
+          <a:prstGeom prst="rect">
+            <a:avLst/>
+          </a:prstGeom>
+        </p:spPr>
+        <p:txBody>
+          <a:bodyPr vert="horz" lIns="0" tIns="45720" rIns="0" bIns="45720" rtlCol="0">
+            <a:normAutofit/>
+          </a:bodyPr>
+          <a:lstStyle>
+            <a:lvl1pPr marL="91440" indent="-91440" algn="l" defTabSz="914400" rtl="0" eaLnBrk="1" latinLnBrk="0" hangingPunct="1">
+              <a:lnSpc>
+                <a:spcPct val="90000"/>
+              </a:lnSpc>
+              <a:spcBef>
+                <a:spcPts val="1200"/>
+              </a:spcBef>
+              <a:spcAft>
+                <a:spcPts val="200"/>
+              </a:spcAft>
+              <a:buClr>
+                <a:schemeClr val="tx1"/>
+              </a:buClr>
+              <a:buSzPct val="100000"/>
+              <a:buFont typeface="Wingdings" panose="05000000000000000000" pitchFamily="2" charset="2"/>
+              <a:buChar char="Ø"/>
+              <a:defRPr sz="3200" kern="1200">
+                <a:solidFill>
+                  <a:schemeClr val="tx1">
+                    <a:lumMod val="75000"/>
+                    <a:lumOff val="25000"/>
+                  </a:schemeClr>
+                </a:solidFill>
+                <a:latin typeface="+mn-lt"/>
+                <a:ea typeface="+mn-ea"/>
+                <a:cs typeface="+mn-cs"/>
+              </a:defRPr>
+            </a:lvl1pPr>
+            <a:lvl2pPr marL="384048" indent="-182880" algn="l" defTabSz="914400" rtl="0" eaLnBrk="1" latinLnBrk="0" hangingPunct="1">
+              <a:lnSpc>
+                <a:spcPct val="90000"/>
+              </a:lnSpc>
+              <a:spcBef>
+                <a:spcPts val="200"/>
+              </a:spcBef>
+              <a:spcAft>
+                <a:spcPts val="400"/>
+              </a:spcAft>
+              <a:buClr>
+                <a:schemeClr val="tx1"/>
+              </a:buClr>
+              <a:buFont typeface="Calibri" pitchFamily="34" charset="0"/>
+              <a:buChar char="◦"/>
+              <a:defRPr sz="2400" kern="1200">
+                <a:solidFill>
+                  <a:schemeClr val="tx1">
+                    <a:lumMod val="75000"/>
+                    <a:lumOff val="25000"/>
+                  </a:schemeClr>
+                </a:solidFill>
+                <a:latin typeface="+mn-lt"/>
+                <a:ea typeface="+mn-ea"/>
+                <a:cs typeface="+mn-cs"/>
+              </a:defRPr>
+            </a:lvl2pPr>
+            <a:lvl3pPr marL="566928" indent="-182880" algn="l" defTabSz="914400" rtl="0" eaLnBrk="1" latinLnBrk="0" hangingPunct="1">
+              <a:lnSpc>
+                <a:spcPct val="90000"/>
+              </a:lnSpc>
+              <a:spcBef>
+                <a:spcPts val="200"/>
+              </a:spcBef>
+              <a:spcAft>
+                <a:spcPts val="400"/>
+              </a:spcAft>
+              <a:buClr>
+                <a:schemeClr val="tx1"/>
+              </a:buClr>
+              <a:buFont typeface="Calibri" pitchFamily="34" charset="0"/>
+              <a:buChar char="◦"/>
+              <a:defRPr sz="1800" kern="1200">
+                <a:solidFill>
+                  <a:schemeClr val="tx1">
+                    <a:lumMod val="75000"/>
+                    <a:lumOff val="25000"/>
+                  </a:schemeClr>
+                </a:solidFill>
+                <a:latin typeface="+mn-lt"/>
+                <a:ea typeface="+mn-ea"/>
+                <a:cs typeface="+mn-cs"/>
+              </a:defRPr>
+            </a:lvl3pPr>
+            <a:lvl4pPr marL="749808" indent="-182880" algn="l" defTabSz="914400" rtl="0" eaLnBrk="1" latinLnBrk="0" hangingPunct="1">
+              <a:lnSpc>
+                <a:spcPct val="90000"/>
+              </a:lnSpc>
+              <a:spcBef>
+                <a:spcPts val="200"/>
+              </a:spcBef>
+              <a:spcAft>
+                <a:spcPts val="400"/>
+              </a:spcAft>
+              <a:buClr>
+                <a:schemeClr val="tx1"/>
+              </a:buClr>
+              <a:buFont typeface="Calibri" pitchFamily="34" charset="0"/>
+              <a:buChar char="◦"/>
+              <a:defRPr sz="1600" kern="1200">
+                <a:solidFill>
+                  <a:schemeClr val="tx1">
+                    <a:lumMod val="75000"/>
+                    <a:lumOff val="25000"/>
+                  </a:schemeClr>
+                </a:solidFill>
+                <a:latin typeface="+mn-lt"/>
+                <a:ea typeface="+mn-ea"/>
+                <a:cs typeface="+mn-cs"/>
+              </a:defRPr>
+            </a:lvl4pPr>
+            <a:lvl5pPr marL="932688" indent="-182880" algn="l" defTabSz="914400" rtl="0" eaLnBrk="1" latinLnBrk="0" hangingPunct="1">
+              <a:lnSpc>
+                <a:spcPct val="90000"/>
+              </a:lnSpc>
+              <a:spcBef>
+                <a:spcPts val="200"/>
+              </a:spcBef>
+              <a:spcAft>
+                <a:spcPts val="400"/>
+              </a:spcAft>
+              <a:buClr>
+                <a:schemeClr val="tx1"/>
+              </a:buClr>
+              <a:buFont typeface="Calibri" pitchFamily="34" charset="0"/>
+              <a:buChar char="◦"/>
+              <a:defRPr sz="1600" kern="1200">
+                <a:solidFill>
+                  <a:schemeClr val="tx1">
+                    <a:lumMod val="75000"/>
+                    <a:lumOff val="25000"/>
+                  </a:schemeClr>
+                </a:solidFill>
+                <a:latin typeface="+mn-lt"/>
+                <a:ea typeface="+mn-ea"/>
+                <a:cs typeface="+mn-cs"/>
+              </a:defRPr>
+            </a:lvl5pPr>
+            <a:lvl6pPr marL="1100000" indent="-228600" algn="l" defTabSz="914400" rtl="0" eaLnBrk="1" latinLnBrk="0" hangingPunct="1">
+              <a:lnSpc>
+                <a:spcPct val="90000"/>
+              </a:lnSpc>
+              <a:spcBef>
+                <a:spcPts val="200"/>
+              </a:spcBef>
+              <a:spcAft>
+                <a:spcPts val="400"/>
+              </a:spcAft>
+              <a:buClr>
+                <a:schemeClr val="accent1"/>
+              </a:buClr>
+              <a:buFont typeface="Calibri" pitchFamily="34" charset="0"/>
+              <a:buChar char="◦"/>
+              <a:defRPr sz="1400" kern="1200">
+                <a:solidFill>
+                  <a:schemeClr val="tx1">
+                    <a:lumMod val="75000"/>
+                    <a:lumOff val="25000"/>
+                  </a:schemeClr>
+                </a:solidFill>
+                <a:latin typeface="+mn-lt"/>
+                <a:ea typeface="+mn-ea"/>
+                <a:cs typeface="+mn-cs"/>
+              </a:defRPr>
+            </a:lvl6pPr>
+            <a:lvl7pPr marL="1300000" indent="-228600" algn="l" defTabSz="914400" rtl="0" eaLnBrk="1" latinLnBrk="0" hangingPunct="1">
+              <a:lnSpc>
+                <a:spcPct val="90000"/>
+              </a:lnSpc>
+              <a:spcBef>
+                <a:spcPts val="200"/>
+              </a:spcBef>
+              <a:spcAft>
+                <a:spcPts val="400"/>
+              </a:spcAft>
+              <a:buClr>
+                <a:schemeClr val="accent1"/>
+              </a:buClr>
+              <a:buFont typeface="Calibri" pitchFamily="34" charset="0"/>
+              <a:buChar char="◦"/>
+              <a:defRPr sz="1400" kern="1200">
+                <a:solidFill>
+                  <a:schemeClr val="tx1">
+                    <a:lumMod val="75000"/>
+                    <a:lumOff val="25000"/>
+                  </a:schemeClr>
+                </a:solidFill>
+                <a:latin typeface="+mn-lt"/>
+                <a:ea typeface="+mn-ea"/>
+                <a:cs typeface="+mn-cs"/>
+              </a:defRPr>
+            </a:lvl7pPr>
+            <a:lvl8pPr marL="1500000" indent="-228600" algn="l" defTabSz="914400" rtl="0" eaLnBrk="1" latinLnBrk="0" hangingPunct="1">
+              <a:lnSpc>
+                <a:spcPct val="90000"/>
+              </a:lnSpc>
+              <a:spcBef>
+                <a:spcPts val="200"/>
+              </a:spcBef>
+              <a:spcAft>
+                <a:spcPts val="400"/>
+              </a:spcAft>
+              <a:buClr>
+                <a:schemeClr val="accent1"/>
+              </a:buClr>
+              <a:buFont typeface="Calibri" pitchFamily="34" charset="0"/>
+              <a:buChar char="◦"/>
+              <a:defRPr sz="1400" kern="1200">
+                <a:solidFill>
+                  <a:schemeClr val="tx1">
+                    <a:lumMod val="75000"/>
+                    <a:lumOff val="25000"/>
+                  </a:schemeClr>
+                </a:solidFill>
+                <a:latin typeface="+mn-lt"/>
+                <a:ea typeface="+mn-ea"/>
+                <a:cs typeface="+mn-cs"/>
+              </a:defRPr>
+            </a:lvl8pPr>
+            <a:lvl9pPr marL="1700000" indent="-228600" algn="l" defTabSz="914400" rtl="0" eaLnBrk="1" latinLnBrk="0" hangingPunct="1">
+              <a:lnSpc>
+                <a:spcPct val="90000"/>
+              </a:lnSpc>
+              <a:spcBef>
+                <a:spcPts val="200"/>
+              </a:spcBef>
+              <a:spcAft>
+                <a:spcPts val="400"/>
+              </a:spcAft>
+              <a:buClr>
+                <a:schemeClr val="accent1"/>
+              </a:buClr>
+              <a:buFont typeface="Calibri" pitchFamily="34" charset="0"/>
+              <a:buChar char="◦"/>
+              <a:defRPr sz="1400" kern="1200">
+                <a:solidFill>
+                  <a:schemeClr val="tx1">
+                    <a:lumMod val="75000"/>
+                    <a:lumOff val="25000"/>
+                  </a:schemeClr>
+                </a:solidFill>
+                <a:latin typeface="+mn-lt"/>
+                <a:ea typeface="+mn-ea"/>
+                <a:cs typeface="+mn-cs"/>
+              </a:defRPr>
+            </a:lvl9pPr>
+          </a:lstStyle>
+          <a:p>
+            <a:pPr lvl="1"/>
+            <a:r>
+              <a:rPr lang="zh-CN" altLang="en-US" dirty="0" smtClean="0"/>
+              <a:t>比较器结果经过一个锁存器进行锁存</a:t>
+            </a:r>
+            <a:endParaRPr lang="en-US" altLang="zh-CN" dirty="0" smtClean="0"/>
+          </a:p>
+          <a:p>
+            <a:pPr lvl="1"/>
+            <a:r>
+              <a:rPr lang="zh-CN" altLang="en-US" dirty="0" smtClean="0"/>
+              <a:t>任何一个通道有</a:t>
+            </a:r>
+            <a:r>
+              <a:rPr lang="en-US" altLang="zh-CN" dirty="0" smtClean="0"/>
+              <a:t>trigger</a:t>
+            </a:r>
+            <a:r>
+              <a:rPr lang="zh-CN" altLang="en-US" dirty="0" smtClean="0"/>
+              <a:t>输出，将数据写入</a:t>
+            </a:r>
+            <a:r>
+              <a:rPr lang="en-US" altLang="zh-CN" dirty="0" smtClean="0"/>
+              <a:t>RAM</a:t>
+            </a:r>
+            <a:endParaRPr lang="zh-CN" altLang="en-US" dirty="0"/>
+          </a:p>
+        </p:txBody>
+      </p:sp>
+    </p:spTree>
+    <p:extLst>
+      <p:ext uri="{BB962C8B-B14F-4D97-AF65-F5344CB8AC3E}">
+        <p14:creationId xmlns:p14="http://schemas.microsoft.com/office/powerpoint/2010/main" val="152110394"/>
+      </p:ext>
+    </p:extLst>
+  </p:cSld>
+  <p:clrMapOvr>
+    <a:masterClrMapping/>
+  </p:clrMapOvr>
+  <p:timing>
+    <p:tnLst>
+      <p:par>
+        <p:cTn id="1" dur="indefinite" restart="never" nodeType="tmRoot"/>
+      </p:par>
+    </p:tnLst>
+  </p:timing>
+</p:sld>
+</file>
+
+<file path=ppt/slides/slide4.xml><?xml version="1.0" encoding="utf-8"?>
+<p:sld xmlns:a="http://schemas.openxmlformats.org/drawingml/2006/main" xmlns:r="http://schemas.openxmlformats.org/officeDocument/2006/relationships" xmlns:p="http://schemas.openxmlformats.org/presentationml/2006/main">
+  <p:cSld>
+    <p:spTree>
+      <p:nvGrpSpPr>
+        <p:cNvPr id="1" name=""/>
+        <p:cNvGrpSpPr/>
+        <p:nvPr/>
+      </p:nvGrpSpPr>
+      <p:grpSpPr>
+        <a:xfrm>
+          <a:off x="0" y="0"/>
+          <a:ext cx="0" cy="0"/>
+          <a:chOff x="0" y="0"/>
+          <a:chExt cx="0" cy="0"/>
+        </a:xfrm>
+      </p:grpSpPr>
+      <p:sp>
+        <p:nvSpPr>
+          <p:cNvPr id="2" name="标题 1"/>
+          <p:cNvSpPr>
+            <a:spLocks noGrp="1"/>
+          </p:cNvSpPr>
+          <p:nvPr>
+            <p:ph type="title"/>
+          </p:nvPr>
+        </p:nvSpPr>
+        <p:spPr/>
+        <p:txBody>
+          <a:bodyPr/>
+          <a:lstStyle/>
+          <a:p>
+            <a:r>
+              <a:rPr lang="en-US" altLang="zh-CN" dirty="0" err="1" smtClean="0"/>
+              <a:t>Microroc</a:t>
+            </a:r>
+            <a:r>
+              <a:rPr lang="zh-CN" altLang="en-US" dirty="0"/>
+              <a:t>工作方式</a:t>
+            </a:r>
+          </a:p>
+        </p:txBody>
+      </p:sp>
+      <p:sp>
+        <p:nvSpPr>
+          <p:cNvPr id="3" name="内容占位符 2"/>
+          <p:cNvSpPr>
+            <a:spLocks noGrp="1"/>
+          </p:cNvSpPr>
+          <p:nvPr>
+            <p:ph idx="1"/>
+          </p:nvPr>
+        </p:nvSpPr>
+        <p:spPr>
+          <a:xfrm>
+            <a:off x="822959" y="1175395"/>
+            <a:ext cx="3124201" cy="4693699"/>
+          </a:xfrm>
+        </p:spPr>
+        <p:txBody>
+          <a:bodyPr/>
+          <a:lstStyle/>
+          <a:p>
+            <a:r>
+              <a:rPr lang="zh-CN" altLang="en-US" dirty="0" smtClean="0"/>
+              <a:t>数据格式</a:t>
+            </a:r>
+            <a:endParaRPr lang="en-US" altLang="zh-CN" dirty="0" smtClean="0"/>
+          </a:p>
+          <a:p>
+            <a:pPr lvl="1"/>
+            <a:r>
+              <a:rPr lang="zh-CN" altLang="en-US" dirty="0"/>
+              <a:t>一</a:t>
+            </a:r>
+            <a:r>
+              <a:rPr lang="zh-CN" altLang="en-US" dirty="0" smtClean="0"/>
+              <a:t>次击中信息有</a:t>
+            </a:r>
+            <a:r>
+              <a:rPr lang="en-US" altLang="zh-CN" dirty="0" smtClean="0"/>
+              <a:t>160bit</a:t>
+            </a:r>
+          </a:p>
+          <a:p>
+            <a:pPr lvl="1"/>
+            <a:r>
+              <a:rPr lang="zh-CN" altLang="en-US" dirty="0" smtClean="0"/>
+              <a:t>存储</a:t>
+            </a:r>
+            <a:r>
+              <a:rPr lang="en-US" altLang="zh-CN" dirty="0" smtClean="0"/>
+              <a:t>160bit * 128</a:t>
+            </a:r>
+            <a:r>
+              <a:rPr lang="zh-CN" altLang="en-US" dirty="0" smtClean="0"/>
+              <a:t>个数据</a:t>
+            </a:r>
+            <a:endParaRPr lang="en-US" altLang="zh-CN" dirty="0" smtClean="0"/>
+          </a:p>
+          <a:p>
+            <a:r>
+              <a:rPr lang="zh-CN" altLang="en-US" dirty="0"/>
+              <a:t>串行读</a:t>
+            </a:r>
+            <a:r>
+              <a:rPr lang="zh-CN" altLang="en-US" dirty="0" smtClean="0"/>
+              <a:t>回</a:t>
+            </a:r>
+            <a:endParaRPr lang="en-US" altLang="zh-CN" dirty="0" smtClean="0"/>
+          </a:p>
+          <a:p>
+            <a:pPr lvl="1"/>
+            <a:r>
+              <a:rPr lang="en-US" altLang="zh-CN" dirty="0" smtClean="0"/>
+              <a:t>5M</a:t>
+            </a:r>
+            <a:r>
+              <a:rPr lang="zh-CN" altLang="en-US" dirty="0" smtClean="0"/>
+              <a:t>时钟</a:t>
+            </a:r>
+            <a:endParaRPr lang="en-US" altLang="zh-CN" dirty="0" smtClean="0"/>
+          </a:p>
+          <a:p>
+            <a:pPr lvl="1"/>
+            <a:r>
+              <a:rPr lang="en-US" altLang="zh-CN" dirty="0" smtClean="0"/>
+              <a:t>160bit</a:t>
+            </a:r>
+            <a:r>
+              <a:rPr lang="zh-CN" altLang="en-US" dirty="0" smtClean="0"/>
+              <a:t>数据需要</a:t>
+            </a:r>
+            <a:r>
+              <a:rPr lang="en-US" altLang="zh-CN" dirty="0" smtClean="0"/>
+              <a:t>32</a:t>
+            </a:r>
+            <a:r>
+              <a:rPr lang="el-GR" altLang="zh-CN" dirty="0" smtClean="0">
+                <a:latin typeface="Calibri" panose="020F0502020204030204" pitchFamily="34" charset="0"/>
+                <a:cs typeface="Calibri" panose="020F0502020204030204" pitchFamily="34" charset="0"/>
+              </a:rPr>
+              <a:t>μ</a:t>
+            </a:r>
+            <a:r>
+              <a:rPr lang="en-US" altLang="zh-CN" dirty="0" smtClean="0">
+                <a:latin typeface="Calibri" panose="020F0502020204030204" pitchFamily="34" charset="0"/>
+                <a:cs typeface="Calibri" panose="020F0502020204030204" pitchFamily="34" charset="0"/>
+              </a:rPr>
+              <a:t>s</a:t>
+            </a:r>
+            <a:endParaRPr lang="zh-CN" altLang="en-US" dirty="0"/>
+          </a:p>
+        </p:txBody>
+      </p:sp>
+      <p:pic>
+        <p:nvPicPr>
+          <p:cNvPr id="4" name="图片 3"/>
+          <p:cNvPicPr>
+            <a:picLocks noChangeAspect="1"/>
+          </p:cNvPicPr>
+          <p:nvPr/>
+        </p:nvPicPr>
+        <p:blipFill>
+          <a:blip r:embed="rId2">
+            <a:extLst>
+              <a:ext uri="{28A0092B-C50C-407E-A947-70E740481C1C}">
+                <a14:useLocalDpi xmlns:a14="http://schemas.microsoft.com/office/drawing/2010/main" val="0"/>
+              </a:ext>
+            </a:extLst>
+          </a:blip>
+          <a:stretch>
+            <a:fillRect/>
+          </a:stretch>
+        </p:blipFill>
+        <p:spPr>
+          <a:xfrm>
+            <a:off x="3732144" y="1175395"/>
+            <a:ext cx="5411856" cy="3013740"/>
+          </a:xfrm>
+          <a:prstGeom prst="rect">
+            <a:avLst/>
+          </a:prstGeom>
+        </p:spPr>
+      </p:pic>
+    </p:spTree>
+    <p:extLst>
+      <p:ext uri="{BB962C8B-B14F-4D97-AF65-F5344CB8AC3E}">
+        <p14:creationId xmlns:p14="http://schemas.microsoft.com/office/powerpoint/2010/main" val="2091484780"/>
+      </p:ext>
+    </p:extLst>
+  </p:cSld>
+  <p:clrMapOvr>
+    <a:masterClrMapping/>
+  </p:clrMapOvr>
+  <p:timing>
+    <p:tnLst>
+      <p:par>
+        <p:cTn id="1" dur="indefinite" restart="never" nodeType="tmRoot"/>
+      </p:par>
+    </p:tnLst>
+  </p:timing>
+</p:sld>
+</file>
+
+<file path=ppt/slides/slide5.xml><?xml version="1.0" encoding="utf-8"?>
+<p:sld xmlns:a="http://schemas.openxmlformats.org/drawingml/2006/main" xmlns:r="http://schemas.openxmlformats.org/officeDocument/2006/relationships" xmlns:p="http://schemas.openxmlformats.org/presentationml/2006/main">
+  <p:cSld>
+    <p:spTree>
+      <p:nvGrpSpPr>
+        <p:cNvPr id="1" name=""/>
+        <p:cNvGrpSpPr/>
+        <p:nvPr/>
+      </p:nvGrpSpPr>
+      <p:grpSpPr>
+        <a:xfrm>
+          <a:off x="0" y="0"/>
+          <a:ext cx="0" cy="0"/>
+          <a:chOff x="0" y="0"/>
+          <a:chExt cx="0" cy="0"/>
+        </a:xfrm>
+      </p:grpSpPr>
+      <p:sp>
+        <p:nvSpPr>
+          <p:cNvPr id="2" name="标题 1"/>
+          <p:cNvSpPr>
+            <a:spLocks noGrp="1"/>
+          </p:cNvSpPr>
+          <p:nvPr>
+            <p:ph type="title"/>
+          </p:nvPr>
+        </p:nvSpPr>
+        <p:spPr/>
+        <p:txBody>
+          <a:bodyPr/>
+          <a:lstStyle/>
+          <a:p>
+            <a:r>
+              <a:rPr lang="en-US" altLang="zh-CN" dirty="0" smtClean="0"/>
+              <a:t>S</a:t>
+            </a:r>
+            <a:r>
+              <a:rPr lang="zh-CN" altLang="en-US" dirty="0" smtClean="0"/>
+              <a:t>曲线测试</a:t>
+            </a:r>
+            <a:endParaRPr lang="zh-CN" altLang="en-US" dirty="0"/>
+          </a:p>
+        </p:txBody>
+      </p:sp>
+      <p:sp>
+        <p:nvSpPr>
+          <p:cNvPr id="3" name="内容占位符 2"/>
+          <p:cNvSpPr>
+            <a:spLocks noGrp="1"/>
+          </p:cNvSpPr>
+          <p:nvPr>
+            <p:ph idx="1"/>
+          </p:nvPr>
+        </p:nvSpPr>
+        <p:spPr/>
+        <p:txBody>
+          <a:bodyPr/>
+          <a:lstStyle/>
+          <a:p>
+            <a:r>
+              <a:rPr lang="zh-CN" altLang="en-US" dirty="0" smtClean="0"/>
+              <a:t>触发率和</a:t>
+            </a:r>
+            <a:r>
+              <a:rPr lang="en-US" altLang="zh-CN" dirty="0" smtClean="0"/>
+              <a:t>10-bit DAC</a:t>
+            </a:r>
+            <a:r>
+              <a:rPr lang="zh-CN" altLang="en-US" dirty="0" smtClean="0"/>
+              <a:t>码值关系</a:t>
+            </a:r>
+            <a:endParaRPr lang="en-US" altLang="zh-CN" dirty="0" smtClean="0"/>
+          </a:p>
+          <a:p>
+            <a:pPr lvl="1"/>
+            <a:r>
+              <a:rPr lang="zh-CN" altLang="en-US" dirty="0" smtClean="0"/>
+              <a:t>给定电荷量，测量不同</a:t>
+            </a:r>
+            <a:r>
+              <a:rPr lang="en-US" altLang="zh-CN" dirty="0" smtClean="0"/>
+              <a:t>DAC</a:t>
+            </a:r>
+            <a:r>
+              <a:rPr lang="zh-CN" altLang="en-US" dirty="0" smtClean="0"/>
+              <a:t>码值时触发的次数</a:t>
+            </a:r>
+            <a:endParaRPr lang="en-US" altLang="zh-CN" dirty="0" smtClean="0"/>
+          </a:p>
+          <a:p>
+            <a:pPr lvl="1"/>
+            <a:r>
+              <a:rPr lang="en-US" altLang="zh-CN" dirty="0" smtClean="0"/>
+              <a:t>DAC</a:t>
+            </a:r>
+            <a:r>
+              <a:rPr lang="zh-CN" altLang="en-US" dirty="0" smtClean="0"/>
+              <a:t>码值越高，阈越低</a:t>
+            </a:r>
+            <a:endParaRPr lang="en-US" altLang="zh-CN" dirty="0" smtClean="0"/>
+          </a:p>
+          <a:p>
+            <a:pPr lvl="1"/>
+            <a:endParaRPr lang="en-US" altLang="zh-CN" dirty="0" smtClean="0"/>
+          </a:p>
+          <a:p>
+            <a:pPr lvl="1"/>
+            <a:endParaRPr lang="en-US" altLang="zh-CN" dirty="0"/>
+          </a:p>
+          <a:p>
+            <a:r>
+              <a:rPr lang="zh-CN" altLang="en-US" dirty="0" smtClean="0"/>
+              <a:t>如何做</a:t>
+            </a:r>
+            <a:r>
+              <a:rPr lang="en-US" altLang="zh-CN" dirty="0" smtClean="0"/>
+              <a:t>S</a:t>
+            </a:r>
+            <a:r>
+              <a:rPr lang="zh-CN" altLang="en-US" dirty="0" smtClean="0"/>
+              <a:t>曲线</a:t>
+            </a:r>
+            <a:endParaRPr lang="en-US" altLang="zh-CN" dirty="0" smtClean="0"/>
+          </a:p>
+          <a:p>
+            <a:pPr lvl="1"/>
+            <a:r>
+              <a:rPr lang="zh-CN" altLang="en-US" dirty="0" smtClean="0"/>
+              <a:t>用信号发生器注入电荷</a:t>
+            </a:r>
+            <a:endParaRPr lang="en-US" altLang="zh-CN" dirty="0" smtClean="0"/>
+          </a:p>
+          <a:p>
+            <a:pPr lvl="1"/>
+            <a:r>
+              <a:rPr lang="zh-CN" altLang="en-US" dirty="0" smtClean="0"/>
+              <a:t>信号发生器产生一个同频率的时钟信号</a:t>
+            </a:r>
+            <a:endParaRPr lang="en-US" altLang="zh-CN" dirty="0" smtClean="0"/>
+          </a:p>
+          <a:p>
+            <a:pPr lvl="1"/>
+            <a:r>
+              <a:rPr lang="en-US" altLang="zh-CN" dirty="0" smtClean="0"/>
+              <a:t>FPGA</a:t>
+            </a:r>
+            <a:r>
+              <a:rPr lang="zh-CN" altLang="en-US" dirty="0" smtClean="0"/>
+              <a:t>同时计数时钟个数和触发个数</a:t>
+            </a:r>
+            <a:endParaRPr lang="en-US" altLang="zh-CN" dirty="0" smtClean="0"/>
+          </a:p>
+          <a:p>
+            <a:pPr lvl="1"/>
+            <a:r>
+              <a:rPr lang="zh-CN" altLang="en-US" dirty="0" smtClean="0"/>
+              <a:t>比值即为该阈值对应的触发率</a:t>
+            </a:r>
+            <a:endParaRPr lang="zh-CN" altLang="en-US" dirty="0"/>
+          </a:p>
+        </p:txBody>
+      </p:sp>
+      <p:grpSp>
+        <p:nvGrpSpPr>
+          <p:cNvPr id="12" name="组合 11"/>
+          <p:cNvGrpSpPr/>
+          <p:nvPr/>
+        </p:nvGrpSpPr>
+        <p:grpSpPr>
+          <a:xfrm>
+            <a:off x="3962323" y="2484016"/>
+            <a:ext cx="2403739" cy="1393269"/>
+            <a:chOff x="4016111" y="1901310"/>
+            <a:chExt cx="2403739" cy="1393269"/>
+          </a:xfrm>
+        </p:grpSpPr>
+        <p:pic>
+          <p:nvPicPr>
+            <p:cNvPr id="4" name="图片 3"/>
+            <p:cNvPicPr>
+              <a:picLocks noChangeAspect="1"/>
+            </p:cNvPicPr>
+            <p:nvPr/>
+          </p:nvPicPr>
+          <p:blipFill rotWithShape="1">
+            <a:blip r:embed="rId2">
+              <a:extLst>
+                <a:ext uri="{28A0092B-C50C-407E-A947-70E740481C1C}">
+                  <a14:useLocalDpi xmlns:a14="http://schemas.microsoft.com/office/drawing/2010/main" val="0"/>
+                </a:ext>
+              </a:extLst>
+            </a:blip>
+            <a:srcRect l="45208" t="9551" r="31875" b="61485"/>
+            <a:stretch/>
+          </p:blipFill>
+          <p:spPr>
+            <a:xfrm>
+              <a:off x="4324350" y="2085976"/>
+              <a:ext cx="2095500" cy="1104900"/>
+            </a:xfrm>
+            <a:prstGeom prst="rect">
+              <a:avLst/>
+            </a:prstGeom>
+          </p:spPr>
+        </p:pic>
+        <p:sp>
+          <p:nvSpPr>
+            <p:cNvPr id="6" name="文本框 5"/>
+            <p:cNvSpPr txBox="1"/>
+            <p:nvPr/>
+          </p:nvSpPr>
+          <p:spPr>
+            <a:xfrm>
+              <a:off x="4016111" y="2530725"/>
+              <a:ext cx="578748" cy="369332"/>
+            </a:xfrm>
+            <a:prstGeom prst="rect">
+              <a:avLst/>
+            </a:prstGeom>
+            <a:noFill/>
+          </p:spPr>
+          <p:txBody>
+            <a:bodyPr wrap="none" rtlCol="0">
+              <a:spAutoFit/>
+            </a:bodyPr>
+            <a:lstStyle/>
+            <a:p>
+              <a:r>
+                <a:rPr lang="en-US" altLang="zh-CN" dirty="0" smtClean="0">
+                  <a:ln w="0">
+                    <a:solidFill>
+                      <a:srgbClr val="B0B55B"/>
+                    </a:solidFill>
+                  </a:ln>
+                  <a:solidFill>
+                    <a:srgbClr val="B0B55B"/>
+                  </a:solidFill>
+                  <a:effectLst>
+                    <a:outerShdw blurRad="38100" dist="19050" dir="2700000" algn="tl" rotWithShape="0">
+                      <a:schemeClr val="dk1">
+                        <a:alpha val="40000"/>
+                      </a:schemeClr>
+                    </a:outerShdw>
+                  </a:effectLst>
+                </a:rPr>
+                <a:t>DAC</a:t>
+              </a:r>
+              <a:endParaRPr lang="zh-CN" altLang="en-US" dirty="0">
+                <a:ln w="0">
+                  <a:solidFill>
+                    <a:srgbClr val="B0B55B"/>
+                  </a:solidFill>
+                </a:ln>
+                <a:solidFill>
+                  <a:srgbClr val="B0B55B"/>
+                </a:solidFill>
+              </a:endParaRPr>
+            </a:p>
+          </p:txBody>
+        </p:sp>
+        <p:sp>
+          <p:nvSpPr>
+            <p:cNvPr id="7" name="文本框 6"/>
+            <p:cNvSpPr txBox="1"/>
+            <p:nvPr/>
+          </p:nvSpPr>
+          <p:spPr>
+            <a:xfrm>
+              <a:off x="4764279" y="2925247"/>
+              <a:ext cx="829394" cy="369332"/>
+            </a:xfrm>
+            <a:prstGeom prst="rect">
+              <a:avLst/>
+            </a:prstGeom>
+            <a:noFill/>
+          </p:spPr>
+          <p:txBody>
+            <a:bodyPr wrap="none" rtlCol="0">
+              <a:spAutoFit/>
+            </a:bodyPr>
+            <a:lstStyle/>
+            <a:p>
+              <a:r>
+                <a:rPr lang="en-US" altLang="zh-CN" dirty="0" smtClean="0">
+                  <a:ln w="0">
+                    <a:solidFill>
+                      <a:srgbClr val="212095"/>
+                    </a:solidFill>
+                  </a:ln>
+                  <a:solidFill>
+                    <a:srgbClr val="212095"/>
+                  </a:solidFill>
+                  <a:effectLst>
+                    <a:outerShdw blurRad="38100" dist="19050" dir="2700000" algn="tl" rotWithShape="0">
+                      <a:schemeClr val="dk1">
+                        <a:alpha val="40000"/>
+                      </a:schemeClr>
+                    </a:outerShdw>
+                  </a:effectLst>
+                </a:rPr>
+                <a:t>Trigger</a:t>
+              </a:r>
+              <a:endParaRPr lang="zh-CN" altLang="en-US" dirty="0">
+                <a:ln w="0">
+                  <a:solidFill>
+                    <a:srgbClr val="212095"/>
+                  </a:solidFill>
+                </a:ln>
+                <a:solidFill>
+                  <a:srgbClr val="212095"/>
+                </a:solidFill>
+              </a:endParaRPr>
+            </a:p>
+          </p:txBody>
+        </p:sp>
+        <p:sp>
+          <p:nvSpPr>
+            <p:cNvPr id="8" name="文本框 7"/>
+            <p:cNvSpPr txBox="1"/>
+            <p:nvPr/>
+          </p:nvSpPr>
+          <p:spPr>
+            <a:xfrm>
+              <a:off x="4229100" y="1901310"/>
+              <a:ext cx="832279" cy="369332"/>
+            </a:xfrm>
+            <a:prstGeom prst="rect">
+              <a:avLst/>
+            </a:prstGeom>
+            <a:noFill/>
+          </p:spPr>
+          <p:txBody>
+            <a:bodyPr wrap="none" rtlCol="0">
+              <a:spAutoFit/>
+            </a:bodyPr>
+            <a:lstStyle/>
+            <a:p>
+              <a:r>
+                <a:rPr lang="en-US" altLang="zh-CN" dirty="0" err="1">
+                  <a:ln w="0">
+                    <a:solidFill>
+                      <a:srgbClr val="66EC5C"/>
+                    </a:solidFill>
+                  </a:ln>
+                  <a:solidFill>
+                    <a:srgbClr val="66EC5C"/>
+                  </a:solidFill>
+                  <a:effectLst>
+                    <a:outerShdw blurRad="38100" dist="19050" dir="2700000" algn="tl" rotWithShape="0">
+                      <a:schemeClr val="dk1">
+                        <a:alpha val="40000"/>
+                      </a:schemeClr>
+                    </a:outerShdw>
+                  </a:effectLst>
+                </a:rPr>
+                <a:t>o</a:t>
+              </a:r>
+              <a:r>
+                <a:rPr lang="en-US" altLang="zh-CN" dirty="0" err="1" smtClean="0">
+                  <a:ln w="0">
+                    <a:solidFill>
+                      <a:srgbClr val="66EC5C"/>
+                    </a:solidFill>
+                  </a:ln>
+                  <a:solidFill>
+                    <a:srgbClr val="66EC5C"/>
+                  </a:solidFill>
+                  <a:effectLst>
+                    <a:outerShdw blurRad="38100" dist="19050" dir="2700000" algn="tl" rotWithShape="0">
+                      <a:schemeClr val="dk1">
+                        <a:alpha val="40000"/>
+                      </a:schemeClr>
+                    </a:outerShdw>
+                  </a:effectLst>
+                </a:rPr>
+                <a:t>ut_sh</a:t>
+              </a:r>
+              <a:endParaRPr lang="zh-CN" altLang="en-US" dirty="0">
+                <a:ln w="0">
+                  <a:solidFill>
+                    <a:srgbClr val="66EC5C"/>
+                  </a:solidFill>
+                </a:ln>
+                <a:solidFill>
+                  <a:srgbClr val="66EC5C"/>
+                </a:solidFill>
+              </a:endParaRPr>
+            </a:p>
+          </p:txBody>
+        </p:sp>
+      </p:grpSp>
+      <p:grpSp>
+        <p:nvGrpSpPr>
+          <p:cNvPr id="13" name="组合 12"/>
+          <p:cNvGrpSpPr/>
+          <p:nvPr/>
+        </p:nvGrpSpPr>
+        <p:grpSpPr>
+          <a:xfrm>
+            <a:off x="6420030" y="2559262"/>
+            <a:ext cx="2615878" cy="1292833"/>
+            <a:chOff x="6473818" y="1976556"/>
+            <a:chExt cx="2615878" cy="1292833"/>
+          </a:xfrm>
+        </p:grpSpPr>
+        <p:pic>
+          <p:nvPicPr>
+            <p:cNvPr id="5" name="图片 4"/>
+            <p:cNvPicPr>
+              <a:picLocks noChangeAspect="1"/>
+            </p:cNvPicPr>
+            <p:nvPr/>
+          </p:nvPicPr>
+          <p:blipFill rotWithShape="1">
+            <a:blip r:embed="rId3">
+              <a:extLst>
+                <a:ext uri="{28A0092B-C50C-407E-A947-70E740481C1C}">
+                  <a14:useLocalDpi xmlns:a14="http://schemas.microsoft.com/office/drawing/2010/main" val="0"/>
+                </a:ext>
+              </a:extLst>
+            </a:blip>
+            <a:srcRect l="45833" t="10549" r="29896" b="64731"/>
+            <a:stretch/>
+          </p:blipFill>
+          <p:spPr>
+            <a:xfrm>
+              <a:off x="6572250" y="2166938"/>
+              <a:ext cx="2219325" cy="942975"/>
+            </a:xfrm>
+            <a:prstGeom prst="rect">
+              <a:avLst/>
+            </a:prstGeom>
+          </p:spPr>
+        </p:pic>
+        <p:sp>
+          <p:nvSpPr>
+            <p:cNvPr id="9" name="文本框 8"/>
+            <p:cNvSpPr txBox="1"/>
+            <p:nvPr/>
+          </p:nvSpPr>
+          <p:spPr>
+            <a:xfrm>
+              <a:off x="6473818" y="2900057"/>
+              <a:ext cx="578748" cy="369332"/>
+            </a:xfrm>
+            <a:prstGeom prst="rect">
+              <a:avLst/>
+            </a:prstGeom>
+            <a:noFill/>
+          </p:spPr>
+          <p:txBody>
+            <a:bodyPr wrap="none" rtlCol="0">
+              <a:spAutoFit/>
+            </a:bodyPr>
+            <a:lstStyle/>
+            <a:p>
+              <a:r>
+                <a:rPr lang="en-US" altLang="zh-CN" dirty="0" smtClean="0">
+                  <a:ln w="0">
+                    <a:solidFill>
+                      <a:srgbClr val="B0B55B"/>
+                    </a:solidFill>
+                  </a:ln>
+                  <a:solidFill>
+                    <a:srgbClr val="B0B55B"/>
+                  </a:solidFill>
+                  <a:effectLst>
+                    <a:outerShdw blurRad="38100" dist="19050" dir="2700000" algn="tl" rotWithShape="0">
+                      <a:schemeClr val="dk1">
+                        <a:alpha val="40000"/>
+                      </a:schemeClr>
+                    </a:outerShdw>
+                  </a:effectLst>
+                </a:rPr>
+                <a:t>DAC</a:t>
+              </a:r>
+              <a:endParaRPr lang="zh-CN" altLang="en-US" dirty="0">
+                <a:ln w="0">
+                  <a:solidFill>
+                    <a:srgbClr val="B0B55B"/>
+                  </a:solidFill>
+                </a:ln>
+                <a:solidFill>
+                  <a:srgbClr val="B0B55B"/>
+                </a:solidFill>
+              </a:endParaRPr>
+            </a:p>
+          </p:txBody>
+        </p:sp>
+        <p:sp>
+          <p:nvSpPr>
+            <p:cNvPr id="10" name="文本框 9"/>
+            <p:cNvSpPr txBox="1"/>
+            <p:nvPr/>
+          </p:nvSpPr>
+          <p:spPr>
+            <a:xfrm>
+              <a:off x="8260302" y="2453759"/>
+              <a:ext cx="829394" cy="369332"/>
+            </a:xfrm>
+            <a:prstGeom prst="rect">
+              <a:avLst/>
+            </a:prstGeom>
+            <a:noFill/>
+          </p:spPr>
+          <p:txBody>
+            <a:bodyPr wrap="none" rtlCol="0">
+              <a:spAutoFit/>
+            </a:bodyPr>
+            <a:lstStyle/>
+            <a:p>
+              <a:r>
+                <a:rPr lang="en-US" altLang="zh-CN" dirty="0" smtClean="0">
+                  <a:ln w="0">
+                    <a:solidFill>
+                      <a:srgbClr val="212095"/>
+                    </a:solidFill>
+                  </a:ln>
+                  <a:solidFill>
+                    <a:srgbClr val="212095"/>
+                  </a:solidFill>
+                  <a:effectLst>
+                    <a:outerShdw blurRad="38100" dist="19050" dir="2700000" algn="tl" rotWithShape="0">
+                      <a:schemeClr val="dk1">
+                        <a:alpha val="40000"/>
+                      </a:schemeClr>
+                    </a:outerShdw>
+                  </a:effectLst>
+                </a:rPr>
+                <a:t>Trigger</a:t>
+              </a:r>
+              <a:endParaRPr lang="zh-CN" altLang="en-US" dirty="0">
+                <a:ln w="0">
+                  <a:solidFill>
+                    <a:srgbClr val="212095"/>
+                  </a:solidFill>
+                </a:ln>
+                <a:solidFill>
+                  <a:srgbClr val="212095"/>
+                </a:solidFill>
+              </a:endParaRPr>
+            </a:p>
+          </p:txBody>
+        </p:sp>
+        <p:sp>
+          <p:nvSpPr>
+            <p:cNvPr id="11" name="文本框 10"/>
+            <p:cNvSpPr txBox="1"/>
+            <p:nvPr/>
+          </p:nvSpPr>
+          <p:spPr>
+            <a:xfrm>
+              <a:off x="6636426" y="1976556"/>
+              <a:ext cx="832279" cy="369332"/>
+            </a:xfrm>
+            <a:prstGeom prst="rect">
+              <a:avLst/>
+            </a:prstGeom>
+            <a:noFill/>
+          </p:spPr>
+          <p:txBody>
+            <a:bodyPr wrap="none" rtlCol="0">
+              <a:spAutoFit/>
+            </a:bodyPr>
+            <a:lstStyle/>
+            <a:p>
+              <a:r>
+                <a:rPr lang="en-US" altLang="zh-CN" dirty="0" err="1">
+                  <a:ln w="0">
+                    <a:solidFill>
+                      <a:srgbClr val="66EC5C"/>
+                    </a:solidFill>
+                  </a:ln>
+                  <a:solidFill>
+                    <a:srgbClr val="66EC5C"/>
+                  </a:solidFill>
+                  <a:effectLst>
+                    <a:outerShdw blurRad="38100" dist="19050" dir="2700000" algn="tl" rotWithShape="0">
+                      <a:schemeClr val="dk1">
+                        <a:alpha val="40000"/>
+                      </a:schemeClr>
+                    </a:outerShdw>
+                  </a:effectLst>
+                </a:rPr>
+                <a:t>o</a:t>
+              </a:r>
+              <a:r>
+                <a:rPr lang="en-US" altLang="zh-CN" dirty="0" err="1" smtClean="0">
+                  <a:ln w="0">
+                    <a:solidFill>
+                      <a:srgbClr val="66EC5C"/>
+                    </a:solidFill>
+                  </a:ln>
+                  <a:solidFill>
+                    <a:srgbClr val="66EC5C"/>
+                  </a:solidFill>
+                  <a:effectLst>
+                    <a:outerShdw blurRad="38100" dist="19050" dir="2700000" algn="tl" rotWithShape="0">
+                      <a:schemeClr val="dk1">
+                        <a:alpha val="40000"/>
+                      </a:schemeClr>
+                    </a:outerShdw>
+                  </a:effectLst>
+                </a:rPr>
+                <a:t>ut_sh</a:t>
+              </a:r>
+              <a:endParaRPr lang="zh-CN" altLang="en-US" dirty="0">
+                <a:ln w="0">
+                  <a:solidFill>
+                    <a:srgbClr val="66EC5C"/>
+                  </a:solidFill>
+                </a:ln>
+                <a:solidFill>
+                  <a:srgbClr val="66EC5C"/>
+                </a:solidFill>
+              </a:endParaRPr>
+            </a:p>
+          </p:txBody>
+        </p:sp>
+      </p:grpSp>
+    </p:spTree>
+    <p:extLst>
+      <p:ext uri="{BB962C8B-B14F-4D97-AF65-F5344CB8AC3E}">
+        <p14:creationId xmlns:p14="http://schemas.microsoft.com/office/powerpoint/2010/main" val="4204747636"/>
+      </p:ext>
+    </p:extLst>
+  </p:cSld>
+  <p:clrMapOvr>
+    <a:masterClrMapping/>
+  </p:clrMapOvr>
+  <p:timing>
+    <p:tnLst>
+      <p:par>
+        <p:cTn id="1" dur="indefinite" restart="never" nodeType="tmRoot"/>
+      </p:par>
+    </p:tnLst>
+  </p:timing>
+</p:sld>
+</file>
+
+<file path=ppt/slides/slide6.xml><?xml version="1.0" encoding="utf-8"?>
+<p:sld xmlns:a="http://schemas.openxmlformats.org/drawingml/2006/main" xmlns:r="http://schemas.openxmlformats.org/officeDocument/2006/relationships" xmlns:p="http://schemas.openxmlformats.org/presentationml/2006/main">
+  <p:cSld>
+    <p:spTree>
+      <p:nvGrpSpPr>
+        <p:cNvPr id="1" name=""/>
+        <p:cNvGrpSpPr/>
+        <p:nvPr/>
+      </p:nvGrpSpPr>
+      <p:grpSpPr>
+        <a:xfrm>
+          <a:off x="0" y="0"/>
+          <a:ext cx="0" cy="0"/>
+          <a:chOff x="0" y="0"/>
+          <a:chExt cx="0" cy="0"/>
+        </a:xfrm>
+      </p:grpSpPr>
+      <p:pic>
+        <p:nvPicPr>
+          <p:cNvPr id="4" name="图片 3"/>
+          <p:cNvPicPr>
+            <a:picLocks noChangeAspect="1"/>
+          </p:cNvPicPr>
+          <p:nvPr/>
+        </p:nvPicPr>
+        <p:blipFill>
+          <a:blip r:embed="rId2">
+            <a:extLst>
+              <a:ext uri="{28A0092B-C50C-407E-A947-70E740481C1C}">
+                <a14:useLocalDpi xmlns:a14="http://schemas.microsoft.com/office/drawing/2010/main" val="0"/>
+              </a:ext>
+            </a:extLst>
+          </a:blip>
+          <a:stretch>
+            <a:fillRect/>
+          </a:stretch>
+        </p:blipFill>
+        <p:spPr>
+          <a:xfrm>
+            <a:off x="3767568" y="1972236"/>
+            <a:ext cx="5376432" cy="4032324"/>
+          </a:xfrm>
+          <a:prstGeom prst="rect">
+            <a:avLst/>
+          </a:prstGeom>
+        </p:spPr>
+      </p:pic>
+      <p:sp>
+        <p:nvSpPr>
+          <p:cNvPr id="2" name="标题 1"/>
+          <p:cNvSpPr>
+            <a:spLocks noGrp="1"/>
+          </p:cNvSpPr>
+          <p:nvPr>
+            <p:ph type="title"/>
+          </p:nvPr>
+        </p:nvSpPr>
+        <p:spPr/>
+        <p:txBody>
+          <a:bodyPr/>
+          <a:lstStyle/>
+          <a:p>
+            <a:r>
+              <a:rPr lang="en-US" altLang="zh-CN" dirty="0" smtClean="0"/>
+              <a:t>S</a:t>
+            </a:r>
+            <a:r>
+              <a:rPr lang="zh-CN" altLang="en-US" dirty="0" smtClean="0"/>
+              <a:t>曲线测试</a:t>
+            </a:r>
+            <a:endParaRPr lang="zh-CN" altLang="en-US" dirty="0"/>
+          </a:p>
+        </p:txBody>
+      </p:sp>
+      <p:sp>
+        <p:nvSpPr>
+          <p:cNvPr id="3" name="内容占位符 2"/>
+          <p:cNvSpPr>
+            <a:spLocks noGrp="1"/>
+          </p:cNvSpPr>
+          <p:nvPr>
+            <p:ph idx="1"/>
+          </p:nvPr>
+        </p:nvSpPr>
+        <p:spPr>
+          <a:xfrm>
+            <a:off x="822959" y="1175395"/>
+            <a:ext cx="3677323" cy="4693699"/>
+          </a:xfrm>
+        </p:spPr>
+        <p:txBody>
+          <a:bodyPr/>
+          <a:lstStyle/>
+          <a:p>
+            <a:r>
+              <a:rPr lang="zh-CN" altLang="en-US" dirty="0" smtClean="0"/>
+              <a:t>单通道测试</a:t>
+            </a:r>
+            <a:endParaRPr lang="en-US" altLang="zh-CN" dirty="0" smtClean="0"/>
+          </a:p>
+          <a:p>
+            <a:pPr lvl="1"/>
+            <a:r>
+              <a:rPr lang="zh-CN" altLang="en-US" dirty="0" smtClean="0"/>
+              <a:t>输入信号</a:t>
+            </a:r>
+            <a:r>
+              <a:rPr lang="en-US" altLang="zh-CN" dirty="0" smtClean="0"/>
+              <a:t>80fC</a:t>
+            </a:r>
+          </a:p>
+          <a:p>
+            <a:pPr lvl="1"/>
+            <a:r>
+              <a:rPr lang="en-US" altLang="zh-CN" dirty="0" smtClean="0"/>
+              <a:t>Trigger0</a:t>
+            </a:r>
+            <a:r>
+              <a:rPr lang="zh-CN" altLang="en-US" dirty="0" smtClean="0"/>
+              <a:t>和</a:t>
+            </a:r>
+            <a:r>
+              <a:rPr lang="en-US" altLang="zh-CN" dirty="0" smtClean="0"/>
+              <a:t>Trigger1</a:t>
+            </a:r>
+            <a:r>
+              <a:rPr lang="zh-CN" altLang="en-US" dirty="0" smtClean="0"/>
+              <a:t>对应的是</a:t>
+            </a:r>
+            <a:r>
+              <a:rPr lang="en-US" altLang="zh-CN" dirty="0" smtClean="0"/>
+              <a:t>High Gain Shaper</a:t>
+            </a:r>
+          </a:p>
+          <a:p>
+            <a:pPr lvl="1"/>
+            <a:r>
+              <a:rPr lang="en-US" altLang="zh-CN" smtClean="0"/>
+              <a:t>Trigger2</a:t>
+            </a:r>
+            <a:r>
+              <a:rPr lang="zh-CN" altLang="en-US" smtClean="0"/>
+              <a:t>对应</a:t>
+            </a:r>
+            <a:r>
+              <a:rPr lang="en-US" altLang="zh-CN" dirty="0" smtClean="0"/>
+              <a:t>Low Gain Shaper</a:t>
+            </a:r>
+            <a:endParaRPr lang="zh-CN" altLang="en-US" dirty="0"/>
+          </a:p>
+        </p:txBody>
+      </p:sp>
+    </p:spTree>
+    <p:extLst>
+      <p:ext uri="{BB962C8B-B14F-4D97-AF65-F5344CB8AC3E}">
+        <p14:creationId xmlns:p14="http://schemas.microsoft.com/office/powerpoint/2010/main" val="3563360777"/>
+      </p:ext>
+    </p:extLst>
+  </p:cSld>
+  <p:clrMapOvr>
+    <a:masterClrMapping/>
+  </p:clrMapOvr>
+  <p:timing>
+    <p:tnLst>
+      <p:par>
+        <p:cTn id="1" dur="indefinite" restart="never" nodeType="tmRoot"/>
+      </p:par>
+    </p:tnLst>
+  </p:timing>
+</p:sld>
+</file>
+
+<file path=ppt/slides/slide7.xml><?xml version="1.0" encoding="utf-8"?>
+<p:sld xmlns:a="http://schemas.openxmlformats.org/drawingml/2006/main" xmlns:r="http://schemas.openxmlformats.org/officeDocument/2006/relationships" xmlns:p="http://schemas.openxmlformats.org/presentationml/2006/main">
+  <p:cSld>
+    <p:spTree>
+      <p:nvGrpSpPr>
+        <p:cNvPr id="1" name=""/>
+        <p:cNvGrpSpPr/>
+        <p:nvPr/>
+      </p:nvGrpSpPr>
+      <p:grpSpPr>
+        <a:xfrm>
+          <a:off x="0" y="0"/>
+          <a:ext cx="0" cy="0"/>
+          <a:chOff x="0" y="0"/>
+          <a:chExt cx="0" cy="0"/>
+        </a:xfrm>
+      </p:grpSpPr>
+      <p:sp>
+        <p:nvSpPr>
+          <p:cNvPr id="2" name="标题 1"/>
+          <p:cNvSpPr>
+            <a:spLocks noGrp="1"/>
+          </p:cNvSpPr>
+          <p:nvPr>
+            <p:ph type="title"/>
+          </p:nvPr>
+        </p:nvSpPr>
+        <p:spPr/>
+        <p:txBody>
+          <a:bodyPr/>
+          <a:lstStyle/>
+          <a:p>
+            <a:r>
+              <a:rPr lang="en-US" altLang="zh-CN" dirty="0" smtClean="0"/>
+              <a:t>S</a:t>
+            </a:r>
+            <a:r>
+              <a:rPr lang="zh-CN" altLang="en-US" dirty="0" smtClean="0"/>
+              <a:t>曲线测试</a:t>
+            </a:r>
+            <a:endParaRPr lang="zh-CN" altLang="en-US" dirty="0"/>
+          </a:p>
+        </p:txBody>
+      </p:sp>
+      <p:sp>
+        <p:nvSpPr>
+          <p:cNvPr id="3" name="内容占位符 2"/>
+          <p:cNvSpPr>
+            <a:spLocks noGrp="1"/>
+          </p:cNvSpPr>
+          <p:nvPr>
+            <p:ph idx="1"/>
+          </p:nvPr>
+        </p:nvSpPr>
+        <p:spPr/>
+        <p:txBody>
+          <a:bodyPr/>
+          <a:lstStyle/>
+          <a:p>
+            <a:r>
+              <a:rPr lang="en-US" altLang="zh-CN" dirty="0" smtClean="0"/>
+              <a:t>0</a:t>
+            </a:r>
+            <a:r>
+              <a:rPr lang="zh-CN" altLang="en-US" dirty="0" smtClean="0"/>
+              <a:t>输入情况</a:t>
+            </a:r>
+            <a:endParaRPr lang="en-US" altLang="zh-CN" dirty="0" smtClean="0"/>
+          </a:p>
+          <a:p>
+            <a:pPr lvl="1"/>
+            <a:r>
+              <a:rPr lang="en-US" altLang="zh-CN" dirty="0" smtClean="0"/>
+              <a:t>S</a:t>
+            </a:r>
+            <a:r>
+              <a:rPr lang="zh-CN" altLang="en-US" dirty="0" smtClean="0"/>
+              <a:t>曲线</a:t>
+            </a:r>
+            <a:r>
+              <a:rPr lang="en-US" altLang="zh-CN" dirty="0" smtClean="0"/>
+              <a:t>50%</a:t>
+            </a:r>
+            <a:r>
+              <a:rPr lang="zh-CN" altLang="en-US" dirty="0" smtClean="0"/>
+              <a:t>触发率对应的</a:t>
+            </a:r>
+            <a:r>
+              <a:rPr lang="en-US" altLang="zh-CN" dirty="0" smtClean="0"/>
+              <a:t>DAC</a:t>
+            </a:r>
+            <a:r>
+              <a:rPr lang="zh-CN" altLang="en-US" dirty="0"/>
+              <a:t>输出</a:t>
+            </a:r>
+            <a:r>
+              <a:rPr lang="zh-CN" altLang="en-US" dirty="0" smtClean="0"/>
+              <a:t>即为基线电压</a:t>
+            </a:r>
+            <a:endParaRPr lang="en-US" altLang="zh-CN" dirty="0" smtClean="0"/>
+          </a:p>
+          <a:p>
+            <a:pPr lvl="1"/>
+            <a:r>
+              <a:rPr lang="en-US" altLang="zh-CN" dirty="0" smtClean="0"/>
+              <a:t>S</a:t>
+            </a:r>
+            <a:r>
+              <a:rPr lang="zh-CN" altLang="en-US" dirty="0" smtClean="0"/>
+              <a:t>曲线有展宽，需要修正</a:t>
+            </a:r>
+            <a:endParaRPr lang="en-US" altLang="zh-CN" dirty="0" smtClean="0"/>
+          </a:p>
+          <a:p>
+            <a:pPr lvl="1"/>
+            <a:r>
+              <a:rPr lang="zh-CN" altLang="en-US" dirty="0" smtClean="0"/>
+              <a:t>第</a:t>
+            </a:r>
+            <a:r>
+              <a:rPr lang="en-US" altLang="zh-CN" dirty="0" smtClean="0"/>
+              <a:t>61</a:t>
+            </a:r>
+            <a:r>
+              <a:rPr lang="zh-CN" altLang="en-US" dirty="0" smtClean="0"/>
+              <a:t>通道是坏的</a:t>
+            </a:r>
+            <a:endParaRPr lang="zh-CN" altLang="en-US" dirty="0"/>
+          </a:p>
+        </p:txBody>
+      </p:sp>
+      <p:grpSp>
+        <p:nvGrpSpPr>
+          <p:cNvPr id="17" name="组合 16"/>
+          <p:cNvGrpSpPr/>
+          <p:nvPr/>
+        </p:nvGrpSpPr>
+        <p:grpSpPr>
+          <a:xfrm>
+            <a:off x="411479" y="2918908"/>
+            <a:ext cx="8366759" cy="3329939"/>
+            <a:chOff x="1" y="2865120"/>
+            <a:chExt cx="8366759" cy="3329939"/>
+          </a:xfrm>
+        </p:grpSpPr>
+        <p:pic>
+          <p:nvPicPr>
+            <p:cNvPr id="8" name="图片 7"/>
+            <p:cNvPicPr>
+              <a:picLocks noChangeAspect="1"/>
+            </p:cNvPicPr>
+            <p:nvPr/>
+          </p:nvPicPr>
+          <p:blipFill>
+            <a:blip r:embed="rId2">
+              <a:extLst>
+                <a:ext uri="{28A0092B-C50C-407E-A947-70E740481C1C}">
+                  <a14:useLocalDpi xmlns:a14="http://schemas.microsoft.com/office/drawing/2010/main" val="0"/>
+                </a:ext>
+              </a:extLst>
+            </a:blip>
+            <a:stretch>
+              <a:fillRect/>
+            </a:stretch>
+          </p:blipFill>
+          <p:spPr>
+            <a:xfrm>
+              <a:off x="4196425" y="2865120"/>
+              <a:ext cx="4170335" cy="3127751"/>
+            </a:xfrm>
+            <a:prstGeom prst="rect">
+              <a:avLst/>
+            </a:prstGeom>
+          </p:spPr>
+        </p:pic>
+        <p:pic>
+          <p:nvPicPr>
+            <p:cNvPr id="7" name="图片 6"/>
+            <p:cNvPicPr>
+              <a:picLocks noChangeAspect="1"/>
+            </p:cNvPicPr>
+            <p:nvPr/>
+          </p:nvPicPr>
+          <p:blipFill>
+            <a:blip r:embed="rId3">
+              <a:extLst>
+                <a:ext uri="{28A0092B-C50C-407E-A947-70E740481C1C}">
+                  <a14:useLocalDpi xmlns:a14="http://schemas.microsoft.com/office/drawing/2010/main" val="0"/>
+                </a:ext>
+              </a:extLst>
+            </a:blip>
+            <a:stretch>
+              <a:fillRect/>
+            </a:stretch>
+          </p:blipFill>
+          <p:spPr>
+            <a:xfrm>
+              <a:off x="1" y="2865120"/>
+              <a:ext cx="4389120" cy="3329939"/>
+            </a:xfrm>
+            <a:prstGeom prst="rect">
+              <a:avLst/>
+            </a:prstGeom>
+          </p:spPr>
+        </p:pic>
+        <p:sp>
+          <p:nvSpPr>
+            <p:cNvPr id="9" name="椭圆 8"/>
+            <p:cNvSpPr/>
+            <p:nvPr/>
+          </p:nvSpPr>
+          <p:spPr>
+            <a:xfrm>
+              <a:off x="2679250" y="3307891"/>
+              <a:ext cx="590912" cy="2382189"/>
+            </a:xfrm>
+            <a:prstGeom prst="ellipse">
+              <a:avLst/>
+            </a:prstGeom>
+            <a:noFill/>
+            <a:ln>
+              <a:solidFill>
+                <a:srgbClr val="FFC000"/>
+              </a:solidFill>
+            </a:ln>
+          </p:spPr>
+          <p:style>
+            <a:lnRef idx="2">
+              <a:schemeClr val="accent1">
+                <a:shade val="50000"/>
+              </a:schemeClr>
+            </a:lnRef>
+            <a:fillRef idx="1">
+              <a:schemeClr val="accent1"/>
+            </a:fillRef>
+            <a:effectRef idx="0">
+              <a:schemeClr val="accent1"/>
+            </a:effectRef>
+            <a:fontRef idx="minor">
+              <a:schemeClr val="lt1"/>
+            </a:fontRef>
+          </p:style>
+          <p:txBody>
+            <a:bodyPr rtlCol="0" anchor="ctr"/>
+            <a:lstStyle/>
+            <a:p>
+              <a:pPr algn="ctr"/>
+              <a:endParaRPr lang="zh-CN" altLang="en-US"/>
+            </a:p>
+          </p:txBody>
+        </p:sp>
+        <p:sp>
+          <p:nvSpPr>
+            <p:cNvPr id="11" name="文本框 10"/>
+            <p:cNvSpPr txBox="1"/>
+            <p:nvPr/>
+          </p:nvSpPr>
+          <p:spPr>
+            <a:xfrm>
+              <a:off x="1167394" y="3522244"/>
+              <a:ext cx="785793" cy="369332"/>
+            </a:xfrm>
+            <a:prstGeom prst="rect">
+              <a:avLst/>
+            </a:prstGeom>
+            <a:noFill/>
+          </p:spPr>
+          <p:txBody>
+            <a:bodyPr wrap="none" rtlCol="0">
+              <a:spAutoFit/>
+            </a:bodyPr>
+            <a:lstStyle/>
+            <a:p>
+              <a:r>
+                <a:rPr lang="en-US" altLang="zh-CN" dirty="0" smtClean="0"/>
+                <a:t>Chn61</a:t>
+              </a:r>
+              <a:endParaRPr lang="zh-CN" altLang="en-US" dirty="0"/>
+            </a:p>
+          </p:txBody>
+        </p:sp>
+        <p:cxnSp>
+          <p:nvCxnSpPr>
+            <p:cNvPr id="13" name="直接箭头连接符 12"/>
+            <p:cNvCxnSpPr>
+              <a:stCxn id="11" idx="2"/>
+            </p:cNvCxnSpPr>
+            <p:nvPr/>
+          </p:nvCxnSpPr>
+          <p:spPr>
+            <a:xfrm flipH="1">
+              <a:off x="1097280" y="3891576"/>
+              <a:ext cx="463011" cy="325695"/>
+            </a:xfrm>
+            <a:prstGeom prst="straightConnector1">
+              <a:avLst/>
+            </a:prstGeom>
+            <a:ln>
+              <a:solidFill>
+                <a:schemeClr val="tx1"/>
+              </a:solidFill>
+              <a:tailEnd type="triangle"/>
+            </a:ln>
+          </p:spPr>
+          <p:style>
+            <a:lnRef idx="1">
+              <a:schemeClr val="accent1"/>
+            </a:lnRef>
+            <a:fillRef idx="0">
+              <a:schemeClr val="accent1"/>
+            </a:fillRef>
+            <a:effectRef idx="0">
+              <a:schemeClr val="accent1"/>
+            </a:effectRef>
+            <a:fontRef idx="minor">
+              <a:schemeClr val="tx1"/>
+            </a:fontRef>
+          </p:style>
+        </p:cxnSp>
+        <p:sp>
+          <p:nvSpPr>
+            <p:cNvPr id="16" name="上弧形箭头 15"/>
+            <p:cNvSpPr/>
+            <p:nvPr/>
+          </p:nvSpPr>
+          <p:spPr>
+            <a:xfrm>
+              <a:off x="3162300" y="3139440"/>
+              <a:ext cx="2758440" cy="464820"/>
+            </a:xfrm>
+            <a:prstGeom prst="curvedDownArrow">
+              <a:avLst/>
+            </a:prstGeom>
+            <a:noFill/>
+            <a:ln>
+              <a:solidFill>
+                <a:srgbClr val="FFC000"/>
+              </a:solidFill>
+            </a:ln>
+          </p:spPr>
+          <p:style>
+            <a:lnRef idx="2">
+              <a:schemeClr val="accent1">
+                <a:shade val="50000"/>
+              </a:schemeClr>
+            </a:lnRef>
+            <a:fillRef idx="1">
+              <a:schemeClr val="accent1"/>
+            </a:fillRef>
+            <a:effectRef idx="0">
+              <a:schemeClr val="accent1"/>
+            </a:effectRef>
+            <a:fontRef idx="minor">
+              <a:schemeClr val="lt1"/>
+            </a:fontRef>
+          </p:style>
+          <p:txBody>
+            <a:bodyPr rtlCol="0" anchor="ctr"/>
+            <a:lstStyle/>
+            <a:p>
+              <a:pPr algn="ctr"/>
+              <a:endParaRPr lang="zh-CN" altLang="en-US">
+                <a:solidFill>
+                  <a:schemeClr val="tx1"/>
+                </a:solidFill>
+              </a:endParaRPr>
+            </a:p>
+          </p:txBody>
+        </p:sp>
+      </p:grpSp>
+    </p:spTree>
+    <p:extLst>
+      <p:ext uri="{BB962C8B-B14F-4D97-AF65-F5344CB8AC3E}">
+        <p14:creationId xmlns:p14="http://schemas.microsoft.com/office/powerpoint/2010/main" val="1948012735"/>
+      </p:ext>
+    </p:extLst>
+  </p:cSld>
+  <p:clrMapOvr>
+    <a:masterClrMapping/>
+  </p:clrMapOvr>
+  <p:timing>
+    <p:tnLst>
+      <p:par>
+        <p:cTn id="1" dur="indefinite" restart="never" nodeType="tmRoot"/>
+      </p:par>
+    </p:tnLst>
+  </p:timing>
+</p:sld>
+</file>
+
+<file path=ppt/slides/slide8.xml><?xml version="1.0" encoding="utf-8"?>
+<p:sld xmlns:a="http://schemas.openxmlformats.org/drawingml/2006/main" xmlns:r="http://schemas.openxmlformats.org/officeDocument/2006/relationships" xmlns:p="http://schemas.openxmlformats.org/presentationml/2006/main">
+  <p:cSld>
+    <p:spTree>
+      <p:nvGrpSpPr>
+        <p:cNvPr id="1" name=""/>
+        <p:cNvGrpSpPr/>
+        <p:nvPr/>
+      </p:nvGrpSpPr>
+      <p:grpSpPr>
+        <a:xfrm>
+          <a:off x="0" y="0"/>
+          <a:ext cx="0" cy="0"/>
+          <a:chOff x="0" y="0"/>
+          <a:chExt cx="0" cy="0"/>
+        </a:xfrm>
+      </p:grpSpPr>
+      <p:sp>
+        <p:nvSpPr>
+          <p:cNvPr id="2" name="标题 1"/>
+          <p:cNvSpPr>
+            <a:spLocks noGrp="1"/>
+          </p:cNvSpPr>
+          <p:nvPr>
+            <p:ph type="title"/>
+          </p:nvPr>
+        </p:nvSpPr>
+        <p:spPr/>
+        <p:txBody>
+          <a:bodyPr/>
+          <a:lstStyle/>
+          <a:p>
+            <a:r>
+              <a:rPr lang="en-US" altLang="zh-CN" dirty="0" smtClean="0"/>
+              <a:t>S</a:t>
+            </a:r>
+            <a:r>
+              <a:rPr lang="zh-CN" altLang="en-US" dirty="0" smtClean="0"/>
+              <a:t>曲线测试</a:t>
+            </a:r>
+            <a:endParaRPr lang="zh-CN" altLang="en-US" dirty="0"/>
+          </a:p>
+        </p:txBody>
+      </p:sp>
+      <p:grpSp>
+        <p:nvGrpSpPr>
+          <p:cNvPr id="15" name="组合 14"/>
+          <p:cNvGrpSpPr/>
+          <p:nvPr/>
+        </p:nvGrpSpPr>
+        <p:grpSpPr>
+          <a:xfrm>
+            <a:off x="5314473" y="569229"/>
+            <a:ext cx="3840000" cy="2880000"/>
+            <a:chOff x="5314473" y="569229"/>
+            <a:chExt cx="3840000" cy="2880000"/>
+          </a:xfrm>
+        </p:grpSpPr>
+        <p:pic>
+          <p:nvPicPr>
+            <p:cNvPr id="5" name="图片 4"/>
+            <p:cNvPicPr>
+              <a:picLocks noChangeAspect="1"/>
+            </p:cNvPicPr>
+            <p:nvPr/>
+          </p:nvPicPr>
+          <p:blipFill>
+            <a:blip r:embed="rId2">
+              <a:extLst>
+                <a:ext uri="{28A0092B-C50C-407E-A947-70E740481C1C}">
+                  <a14:useLocalDpi xmlns:a14="http://schemas.microsoft.com/office/drawing/2010/main" val="0"/>
+                </a:ext>
+              </a:extLst>
+            </a:blip>
+            <a:stretch>
+              <a:fillRect/>
+            </a:stretch>
+          </p:blipFill>
+          <p:spPr>
+            <a:xfrm>
+              <a:off x="5314473" y="569229"/>
+              <a:ext cx="3840000" cy="2880000"/>
+            </a:xfrm>
+            <a:prstGeom prst="rect">
+              <a:avLst/>
+            </a:prstGeom>
+          </p:spPr>
+        </p:pic>
+        <p:sp>
+          <p:nvSpPr>
+            <p:cNvPr id="8" name="文本框 7"/>
+            <p:cNvSpPr txBox="1"/>
+            <p:nvPr/>
+          </p:nvSpPr>
+          <p:spPr>
+            <a:xfrm>
+              <a:off x="6042212" y="1281953"/>
+              <a:ext cx="877163" cy="369332"/>
+            </a:xfrm>
+            <a:prstGeom prst="rect">
+              <a:avLst/>
+            </a:prstGeom>
+            <a:noFill/>
+          </p:spPr>
+          <p:txBody>
+            <a:bodyPr wrap="none" rtlCol="0">
+              <a:spAutoFit/>
+            </a:bodyPr>
+            <a:lstStyle/>
+            <a:p>
+              <a:r>
+                <a:rPr lang="zh-CN" altLang="en-US" dirty="0" smtClean="0"/>
+                <a:t>未修正</a:t>
+              </a:r>
+              <a:endParaRPr lang="zh-CN" altLang="en-US" dirty="0"/>
+            </a:p>
+          </p:txBody>
+        </p:sp>
+      </p:grpSp>
+      <p:grpSp>
+        <p:nvGrpSpPr>
+          <p:cNvPr id="13" name="组合 12"/>
+          <p:cNvGrpSpPr/>
+          <p:nvPr/>
+        </p:nvGrpSpPr>
+        <p:grpSpPr>
+          <a:xfrm>
+            <a:off x="1837896" y="3449229"/>
+            <a:ext cx="3840000" cy="2880000"/>
+            <a:chOff x="1837896" y="3449229"/>
+            <a:chExt cx="3840000" cy="2880000"/>
+          </a:xfrm>
+        </p:grpSpPr>
+        <p:pic>
+          <p:nvPicPr>
+            <p:cNvPr id="6" name="图片 5"/>
+            <p:cNvPicPr>
+              <a:picLocks noChangeAspect="1"/>
+            </p:cNvPicPr>
+            <p:nvPr/>
+          </p:nvPicPr>
+          <p:blipFill>
+            <a:blip r:embed="rId3">
+              <a:extLst>
+                <a:ext uri="{28A0092B-C50C-407E-A947-70E740481C1C}">
+                  <a14:useLocalDpi xmlns:a14="http://schemas.microsoft.com/office/drawing/2010/main" val="0"/>
+                </a:ext>
+              </a:extLst>
+            </a:blip>
+            <a:stretch>
+              <a:fillRect/>
+            </a:stretch>
+          </p:blipFill>
+          <p:spPr>
+            <a:xfrm>
+              <a:off x="1837896" y="3449229"/>
+              <a:ext cx="3840000" cy="2880000"/>
+            </a:xfrm>
+            <a:prstGeom prst="rect">
+              <a:avLst/>
+            </a:prstGeom>
+          </p:spPr>
+        </p:pic>
+        <p:sp>
+          <p:nvSpPr>
+            <p:cNvPr id="9" name="文本框 8"/>
+            <p:cNvSpPr txBox="1"/>
+            <p:nvPr/>
+          </p:nvSpPr>
+          <p:spPr>
+            <a:xfrm>
+              <a:off x="2402542" y="3998259"/>
+              <a:ext cx="1107996" cy="646331"/>
+            </a:xfrm>
+            <a:prstGeom prst="rect">
+              <a:avLst/>
+            </a:prstGeom>
+            <a:noFill/>
+          </p:spPr>
+          <p:txBody>
+            <a:bodyPr wrap="none" rtlCol="0">
+              <a:spAutoFit/>
+            </a:bodyPr>
+            <a:lstStyle/>
+            <a:p>
+              <a:r>
+                <a:rPr lang="zh-CN" altLang="en-US" dirty="0" smtClean="0"/>
+                <a:t>根据基线</a:t>
+              </a:r>
+              <a:endParaRPr lang="en-US" altLang="zh-CN" dirty="0" smtClean="0"/>
+            </a:p>
+            <a:p>
+              <a:r>
+                <a:rPr lang="zh-CN" altLang="en-US" dirty="0" smtClean="0"/>
+                <a:t>电压修正</a:t>
+              </a:r>
+              <a:endParaRPr lang="zh-CN" altLang="en-US" dirty="0"/>
+            </a:p>
+          </p:txBody>
+        </p:sp>
+      </p:grpSp>
+      <p:grpSp>
+        <p:nvGrpSpPr>
+          <p:cNvPr id="14" name="组合 13"/>
+          <p:cNvGrpSpPr/>
+          <p:nvPr/>
+        </p:nvGrpSpPr>
+        <p:grpSpPr>
+          <a:xfrm>
+            <a:off x="5314473" y="3449229"/>
+            <a:ext cx="3840000" cy="2880000"/>
+            <a:chOff x="5314473" y="3449229"/>
+            <a:chExt cx="3840000" cy="2880000"/>
+          </a:xfrm>
+        </p:grpSpPr>
+        <p:pic>
+          <p:nvPicPr>
+            <p:cNvPr id="7" name="图片 6"/>
+            <p:cNvPicPr>
+              <a:picLocks noChangeAspect="1"/>
+            </p:cNvPicPr>
+            <p:nvPr/>
+          </p:nvPicPr>
+          <p:blipFill>
+            <a:blip r:embed="rId4">
+              <a:extLst>
+                <a:ext uri="{28A0092B-C50C-407E-A947-70E740481C1C}">
+                  <a14:useLocalDpi xmlns:a14="http://schemas.microsoft.com/office/drawing/2010/main" val="0"/>
+                </a:ext>
+              </a:extLst>
+            </a:blip>
+            <a:stretch>
+              <a:fillRect/>
+            </a:stretch>
+          </p:blipFill>
+          <p:spPr>
+            <a:xfrm>
+              <a:off x="5314473" y="3449229"/>
+              <a:ext cx="3840000" cy="2880000"/>
+            </a:xfrm>
+            <a:prstGeom prst="rect">
+              <a:avLst/>
+            </a:prstGeom>
+          </p:spPr>
+        </p:pic>
+        <p:sp>
+          <p:nvSpPr>
+            <p:cNvPr id="10" name="文本框 9"/>
+            <p:cNvSpPr txBox="1"/>
+            <p:nvPr/>
+          </p:nvSpPr>
+          <p:spPr>
+            <a:xfrm>
+              <a:off x="5754190" y="3980831"/>
+              <a:ext cx="1213794" cy="646331"/>
+            </a:xfrm>
+            <a:prstGeom prst="rect">
+              <a:avLst/>
+            </a:prstGeom>
+            <a:noFill/>
+          </p:spPr>
+          <p:txBody>
+            <a:bodyPr wrap="none" rtlCol="0">
+              <a:spAutoFit/>
+            </a:bodyPr>
+            <a:lstStyle/>
+            <a:p>
+              <a:r>
+                <a:rPr lang="zh-CN" altLang="en-US" dirty="0" smtClean="0"/>
+                <a:t>根据</a:t>
+              </a:r>
+              <a:r>
+                <a:rPr lang="en-US" altLang="zh-CN" dirty="0" smtClean="0"/>
+                <a:t>S</a:t>
+              </a:r>
+              <a:r>
+                <a:rPr lang="zh-CN" altLang="en-US" dirty="0" smtClean="0"/>
+                <a:t>曲线</a:t>
+              </a:r>
+              <a:endParaRPr lang="en-US" altLang="zh-CN" dirty="0" smtClean="0"/>
+            </a:p>
+            <a:p>
+              <a:r>
+                <a:rPr lang="zh-CN" altLang="en-US" dirty="0" smtClean="0"/>
+                <a:t>电压修正</a:t>
+              </a:r>
+              <a:endParaRPr lang="zh-CN" altLang="en-US" dirty="0"/>
+            </a:p>
+          </p:txBody>
+        </p:sp>
+      </p:grpSp>
+      <p:sp>
+        <p:nvSpPr>
+          <p:cNvPr id="12" name="内容占位符 2"/>
+          <p:cNvSpPr txBox="1">
+            <a:spLocks/>
+          </p:cNvSpPr>
+          <p:nvPr/>
+        </p:nvSpPr>
+        <p:spPr>
+          <a:xfrm>
+            <a:off x="822959" y="1175395"/>
+            <a:ext cx="4415220" cy="4693699"/>
+          </a:xfrm>
+          <a:prstGeom prst="rect">
+            <a:avLst/>
+          </a:prstGeom>
+        </p:spPr>
+        <p:txBody>
+          <a:bodyPr vert="horz" lIns="0" tIns="45720" rIns="0" bIns="45720" rtlCol="0">
+            <a:normAutofit/>
+          </a:bodyPr>
+          <a:lstStyle>
+            <a:lvl1pPr marL="91440" indent="-91440" algn="l" defTabSz="914400" rtl="0" eaLnBrk="1" latinLnBrk="0" hangingPunct="1">
+              <a:lnSpc>
+                <a:spcPct val="90000"/>
+              </a:lnSpc>
+              <a:spcBef>
+                <a:spcPts val="1200"/>
+              </a:spcBef>
+              <a:spcAft>
+                <a:spcPts val="200"/>
+              </a:spcAft>
+              <a:buClr>
+                <a:schemeClr val="tx1"/>
+              </a:buClr>
+              <a:buSzPct val="100000"/>
+              <a:buFont typeface="Wingdings" panose="05000000000000000000" pitchFamily="2" charset="2"/>
+              <a:buChar char="Ø"/>
+              <a:defRPr sz="3200" kern="1200">
+                <a:solidFill>
+                  <a:schemeClr val="tx1">
+                    <a:lumMod val="75000"/>
+                    <a:lumOff val="25000"/>
+                  </a:schemeClr>
+                </a:solidFill>
+                <a:latin typeface="+mn-lt"/>
+                <a:ea typeface="+mn-ea"/>
+                <a:cs typeface="+mn-cs"/>
+              </a:defRPr>
+            </a:lvl1pPr>
+            <a:lvl2pPr marL="384048" indent="-182880" algn="l" defTabSz="914400" rtl="0" eaLnBrk="1" latinLnBrk="0" hangingPunct="1">
+              <a:lnSpc>
+                <a:spcPct val="90000"/>
+              </a:lnSpc>
+              <a:spcBef>
+                <a:spcPts val="200"/>
+              </a:spcBef>
+              <a:spcAft>
+                <a:spcPts val="400"/>
+              </a:spcAft>
+              <a:buClr>
+                <a:schemeClr val="tx1"/>
+              </a:buClr>
+              <a:buFont typeface="Calibri" pitchFamily="34" charset="0"/>
+              <a:buChar char="◦"/>
+              <a:defRPr sz="2400" kern="1200">
+                <a:solidFill>
+                  <a:schemeClr val="tx1">
+                    <a:lumMod val="75000"/>
+                    <a:lumOff val="25000"/>
+                  </a:schemeClr>
+                </a:solidFill>
+                <a:latin typeface="+mn-lt"/>
+                <a:ea typeface="+mn-ea"/>
+                <a:cs typeface="+mn-cs"/>
+              </a:defRPr>
+            </a:lvl2pPr>
+            <a:lvl3pPr marL="566928" indent="-182880" algn="l" defTabSz="914400" rtl="0" eaLnBrk="1" latinLnBrk="0" hangingPunct="1">
+              <a:lnSpc>
+                <a:spcPct val="90000"/>
+              </a:lnSpc>
+              <a:spcBef>
+                <a:spcPts val="200"/>
+              </a:spcBef>
+              <a:spcAft>
+                <a:spcPts val="400"/>
+              </a:spcAft>
+              <a:buClr>
+                <a:schemeClr val="tx1"/>
+              </a:buClr>
+              <a:buFont typeface="Calibri" pitchFamily="34" charset="0"/>
+              <a:buChar char="◦"/>
+              <a:defRPr sz="1800" kern="1200">
+                <a:solidFill>
+                  <a:schemeClr val="tx1">
+                    <a:lumMod val="75000"/>
+                    <a:lumOff val="25000"/>
+                  </a:schemeClr>
+                </a:solidFill>
+                <a:latin typeface="+mn-lt"/>
+                <a:ea typeface="+mn-ea"/>
+                <a:cs typeface="+mn-cs"/>
+              </a:defRPr>
+            </a:lvl3pPr>
+            <a:lvl4pPr marL="749808" indent="-182880" algn="l" defTabSz="914400" rtl="0" eaLnBrk="1" latinLnBrk="0" hangingPunct="1">
+              <a:lnSpc>
+                <a:spcPct val="90000"/>
+              </a:lnSpc>
+              <a:spcBef>
+                <a:spcPts val="200"/>
+              </a:spcBef>
+              <a:spcAft>
+                <a:spcPts val="400"/>
+              </a:spcAft>
+              <a:buClr>
+                <a:schemeClr val="tx1"/>
+              </a:buClr>
+              <a:buFont typeface="Calibri" pitchFamily="34" charset="0"/>
+              <a:buChar char="◦"/>
+              <a:defRPr sz="1600" kern="1200">
+                <a:solidFill>
+                  <a:schemeClr val="tx1">
+                    <a:lumMod val="75000"/>
+                    <a:lumOff val="25000"/>
+                  </a:schemeClr>
+                </a:solidFill>
+                <a:latin typeface="+mn-lt"/>
+                <a:ea typeface="+mn-ea"/>
+                <a:cs typeface="+mn-cs"/>
+              </a:defRPr>
+            </a:lvl4pPr>
+            <a:lvl5pPr marL="932688" indent="-182880" algn="l" defTabSz="914400" rtl="0" eaLnBrk="1" latinLnBrk="0" hangingPunct="1">
+              <a:lnSpc>
+                <a:spcPct val="90000"/>
+              </a:lnSpc>
+              <a:spcBef>
+                <a:spcPts val="200"/>
+              </a:spcBef>
+              <a:spcAft>
+                <a:spcPts val="400"/>
+              </a:spcAft>
+              <a:buClr>
+                <a:schemeClr val="tx1"/>
+              </a:buClr>
+              <a:buFont typeface="Calibri" pitchFamily="34" charset="0"/>
+              <a:buChar char="◦"/>
+              <a:defRPr sz="1600" kern="1200">
+                <a:solidFill>
+                  <a:schemeClr val="tx1">
+                    <a:lumMod val="75000"/>
+                    <a:lumOff val="25000"/>
+                  </a:schemeClr>
+                </a:solidFill>
+                <a:latin typeface="+mn-lt"/>
+                <a:ea typeface="+mn-ea"/>
+                <a:cs typeface="+mn-cs"/>
+              </a:defRPr>
+            </a:lvl5pPr>
+            <a:lvl6pPr marL="1100000" indent="-228600" algn="l" defTabSz="914400" rtl="0" eaLnBrk="1" latinLnBrk="0" hangingPunct="1">
+              <a:lnSpc>
+                <a:spcPct val="90000"/>
+              </a:lnSpc>
+              <a:spcBef>
+                <a:spcPts val="200"/>
+              </a:spcBef>
+              <a:spcAft>
+                <a:spcPts val="400"/>
+              </a:spcAft>
+              <a:buClr>
+                <a:schemeClr val="accent1"/>
+              </a:buClr>
+              <a:buFont typeface="Calibri" pitchFamily="34" charset="0"/>
+              <a:buChar char="◦"/>
+              <a:defRPr sz="1400" kern="1200">
+                <a:solidFill>
+                  <a:schemeClr val="tx1">
+                    <a:lumMod val="75000"/>
+                    <a:lumOff val="25000"/>
+                  </a:schemeClr>
+                </a:solidFill>
+                <a:latin typeface="+mn-lt"/>
+                <a:ea typeface="+mn-ea"/>
+                <a:cs typeface="+mn-cs"/>
+              </a:defRPr>
+            </a:lvl6pPr>
+            <a:lvl7pPr marL="1300000" indent="-228600" algn="l" defTabSz="914400" rtl="0" eaLnBrk="1" latinLnBrk="0" hangingPunct="1">
+              <a:lnSpc>
+                <a:spcPct val="90000"/>
+              </a:lnSpc>
+              <a:spcBef>
+                <a:spcPts val="200"/>
+              </a:spcBef>
+              <a:spcAft>
+                <a:spcPts val="400"/>
+              </a:spcAft>
+              <a:buClr>
+                <a:schemeClr val="accent1"/>
+              </a:buClr>
+              <a:buFont typeface="Calibri" pitchFamily="34" charset="0"/>
+              <a:buChar char="◦"/>
+              <a:defRPr sz="1400" kern="1200">
+                <a:solidFill>
+                  <a:schemeClr val="tx1">
+                    <a:lumMod val="75000"/>
+                    <a:lumOff val="25000"/>
+                  </a:schemeClr>
+                </a:solidFill>
+                <a:latin typeface="+mn-lt"/>
+                <a:ea typeface="+mn-ea"/>
+                <a:cs typeface="+mn-cs"/>
+              </a:defRPr>
+            </a:lvl7pPr>
+            <a:lvl8pPr marL="1500000" indent="-228600" algn="l" defTabSz="914400" rtl="0" eaLnBrk="1" latinLnBrk="0" hangingPunct="1">
+              <a:lnSpc>
+                <a:spcPct val="90000"/>
+              </a:lnSpc>
+              <a:spcBef>
+                <a:spcPts val="200"/>
+              </a:spcBef>
+              <a:spcAft>
+                <a:spcPts val="400"/>
+              </a:spcAft>
+              <a:buClr>
+                <a:schemeClr val="accent1"/>
+              </a:buClr>
+              <a:buFont typeface="Calibri" pitchFamily="34" charset="0"/>
+              <a:buChar char="◦"/>
+              <a:defRPr sz="1400" kern="1200">
+                <a:solidFill>
+                  <a:schemeClr val="tx1">
+                    <a:lumMod val="75000"/>
+                    <a:lumOff val="25000"/>
+                  </a:schemeClr>
+                </a:solidFill>
+                <a:latin typeface="+mn-lt"/>
+                <a:ea typeface="+mn-ea"/>
+                <a:cs typeface="+mn-cs"/>
+              </a:defRPr>
+            </a:lvl8pPr>
+            <a:lvl9pPr marL="1700000" indent="-228600" algn="l" defTabSz="914400" rtl="0" eaLnBrk="1" latinLnBrk="0" hangingPunct="1">
+              <a:lnSpc>
+                <a:spcPct val="90000"/>
+              </a:lnSpc>
+              <a:spcBef>
+                <a:spcPts val="200"/>
+              </a:spcBef>
+              <a:spcAft>
+                <a:spcPts val="400"/>
+              </a:spcAft>
+              <a:buClr>
+                <a:schemeClr val="accent1"/>
+              </a:buClr>
+              <a:buFont typeface="Calibri" pitchFamily="34" charset="0"/>
+              <a:buChar char="◦"/>
+              <a:defRPr sz="1400" kern="1200">
+                <a:solidFill>
+                  <a:schemeClr val="tx1">
+                    <a:lumMod val="75000"/>
+                    <a:lumOff val="25000"/>
+                  </a:schemeClr>
+                </a:solidFill>
+                <a:latin typeface="+mn-lt"/>
+                <a:ea typeface="+mn-ea"/>
+                <a:cs typeface="+mn-cs"/>
+              </a:defRPr>
+            </a:lvl9pPr>
+          </a:lstStyle>
+          <a:p>
+            <a:r>
+              <a:rPr lang="en-US" altLang="zh-CN" dirty="0" smtClean="0"/>
+              <a:t>64</a:t>
+            </a:r>
+            <a:r>
+              <a:rPr lang="zh-CN" altLang="en-US" dirty="0" smtClean="0"/>
+              <a:t>通道基线电压修正</a:t>
+            </a:r>
+            <a:endParaRPr lang="en-US" altLang="zh-CN" dirty="0" smtClean="0"/>
+          </a:p>
+          <a:p>
+            <a:pPr lvl="1"/>
+            <a:r>
+              <a:rPr lang="zh-CN" altLang="en-US" dirty="0" smtClean="0"/>
+              <a:t>两种修正办法：</a:t>
+            </a:r>
+            <a:endParaRPr lang="en-US" altLang="zh-CN" dirty="0" smtClean="0"/>
+          </a:p>
+          <a:p>
+            <a:pPr lvl="2"/>
+            <a:r>
+              <a:rPr lang="zh-CN" altLang="en-US" dirty="0" smtClean="0"/>
+              <a:t>用电压表量基线电压，然后修正</a:t>
+            </a:r>
+            <a:endParaRPr lang="en-US" altLang="zh-CN" dirty="0" smtClean="0"/>
+          </a:p>
+          <a:p>
+            <a:pPr lvl="2"/>
+            <a:r>
+              <a:rPr lang="zh-CN" altLang="en-US" dirty="0" smtClean="0"/>
+              <a:t>根据未修正的</a:t>
+            </a:r>
+            <a:r>
+              <a:rPr lang="en-US" altLang="zh-CN" dirty="0" smtClean="0"/>
+              <a:t>S</a:t>
+            </a:r>
+            <a:r>
+              <a:rPr lang="zh-CN" altLang="en-US" dirty="0" smtClean="0"/>
+              <a:t>曲线的</a:t>
+            </a:r>
+            <a:r>
+              <a:rPr lang="en-US" altLang="zh-CN" dirty="0" smtClean="0"/>
+              <a:t>50%</a:t>
+            </a:r>
+            <a:r>
+              <a:rPr lang="zh-CN" altLang="en-US" dirty="0" smtClean="0"/>
+              <a:t>触发率对应的</a:t>
+            </a:r>
+            <a:r>
+              <a:rPr lang="en-US" altLang="zh-CN" dirty="0" smtClean="0"/>
+              <a:t>DAC</a:t>
+            </a:r>
+            <a:r>
+              <a:rPr lang="zh-CN" altLang="en-US" dirty="0" smtClean="0"/>
+              <a:t>码值进行修正</a:t>
+            </a:r>
+            <a:endParaRPr lang="en-US" altLang="zh-CN" dirty="0" smtClean="0"/>
+          </a:p>
+          <a:p>
+            <a:pPr marL="201168" lvl="1" indent="0">
+              <a:buNone/>
+            </a:pPr>
+            <a:endParaRPr lang="en-US" altLang="zh-CN" dirty="0" smtClean="0"/>
+          </a:p>
+          <a:p>
+            <a:endParaRPr lang="zh-CN" altLang="en-US" dirty="0"/>
+          </a:p>
+        </p:txBody>
+      </p:sp>
+    </p:spTree>
+    <p:extLst>
+      <p:ext uri="{BB962C8B-B14F-4D97-AF65-F5344CB8AC3E}">
+        <p14:creationId xmlns:p14="http://schemas.microsoft.com/office/powerpoint/2010/main" val="3861785753"/>
+      </p:ext>
+    </p:extLst>
+  </p:cSld>
+  <p:clrMapOvr>
+    <a:masterClrMapping/>
+  </p:clrMapOvr>
+  <p:timing>
+    <p:tnLst>
+      <p:par>
+        <p:cTn id="1" dur="indefinite" restart="never" nodeType="tmRoot"/>
+      </p:par>
+    </p:tnLst>
+  </p:timing>
+</p:sld>
+</file>
+
+<file path=ppt/slides/slide9.xml><?xml version="1.0" encoding="utf-8"?>
+<p:sld xmlns:a="http://schemas.openxmlformats.org/drawingml/2006/main" xmlns:r="http://schemas.openxmlformats.org/officeDocument/2006/relationships" xmlns:p="http://schemas.openxmlformats.org/presentationml/2006/main">
+  <p:cSld>
+    <p:spTree>
+      <p:nvGrpSpPr>
+        <p:cNvPr id="1" name=""/>
+        <p:cNvGrpSpPr/>
+        <p:nvPr/>
+      </p:nvGrpSpPr>
+      <p:grpSpPr>
+        <a:xfrm>
+          <a:off x="0" y="0"/>
+          <a:ext cx="0" cy="0"/>
+          <a:chOff x="0" y="0"/>
+          <a:chExt cx="0" cy="0"/>
+        </a:xfrm>
+      </p:grpSpPr>
+      <p:pic>
+        <p:nvPicPr>
+          <p:cNvPr id="4" name="图片 3"/>
+          <p:cNvPicPr>
+            <a:picLocks noChangeAspect="1"/>
+          </p:cNvPicPr>
+          <p:nvPr/>
+        </p:nvPicPr>
+        <p:blipFill rotWithShape="1">
+          <a:blip r:embed="rId2">
+            <a:extLst>
+              <a:ext uri="{28A0092B-C50C-407E-A947-70E740481C1C}">
+                <a14:useLocalDpi xmlns:a14="http://schemas.microsoft.com/office/drawing/2010/main" val="0"/>
+              </a:ext>
+            </a:extLst>
+          </a:blip>
+          <a:srcRect l="7026" t="4354" r="8371" b="4365"/>
+          <a:stretch/>
+        </p:blipFill>
+        <p:spPr>
+          <a:xfrm>
+            <a:off x="4069976" y="2268069"/>
+            <a:ext cx="5074024" cy="4105837"/>
+          </a:xfrm>
+          <a:prstGeom prst="rect">
+            <a:avLst/>
+          </a:prstGeom>
+        </p:spPr>
+      </p:pic>
+      <p:sp>
+        <p:nvSpPr>
+          <p:cNvPr id="2" name="标题 1"/>
+          <p:cNvSpPr>
+            <a:spLocks noGrp="1"/>
+          </p:cNvSpPr>
+          <p:nvPr>
+            <p:ph type="title"/>
+          </p:nvPr>
+        </p:nvSpPr>
+        <p:spPr/>
+        <p:txBody>
+          <a:bodyPr/>
+          <a:lstStyle/>
+          <a:p>
+            <a:r>
+              <a:rPr lang="en-US" altLang="zh-CN" dirty="0" smtClean="0"/>
+              <a:t>S</a:t>
+            </a:r>
+            <a:r>
+              <a:rPr lang="zh-CN" altLang="en-US" dirty="0" smtClean="0"/>
+              <a:t>曲线测试</a:t>
+            </a:r>
+            <a:endParaRPr lang="zh-CN" altLang="en-US" dirty="0"/>
+          </a:p>
+        </p:txBody>
+      </p:sp>
+      <p:sp>
+        <p:nvSpPr>
+          <p:cNvPr id="3" name="内容占位符 2"/>
+          <p:cNvSpPr>
+            <a:spLocks noGrp="1"/>
+          </p:cNvSpPr>
+          <p:nvPr>
+            <p:ph idx="1"/>
+          </p:nvPr>
+        </p:nvSpPr>
+        <p:spPr>
+          <a:xfrm>
+            <a:off x="822960" y="1175395"/>
+            <a:ext cx="4071770" cy="4693699"/>
+          </a:xfrm>
+        </p:spPr>
+        <p:txBody>
+          <a:bodyPr/>
+          <a:lstStyle/>
+          <a:p>
+            <a:r>
+              <a:rPr lang="en-US" altLang="zh-CN" dirty="0" smtClean="0"/>
+              <a:t>64</a:t>
+            </a:r>
+            <a:r>
+              <a:rPr lang="zh-CN" altLang="en-US" dirty="0" smtClean="0"/>
+              <a:t>通道基线电压修正</a:t>
+            </a:r>
+            <a:endParaRPr lang="en-US" altLang="zh-CN" dirty="0" smtClean="0"/>
+          </a:p>
+          <a:p>
+            <a:pPr lvl="1"/>
+            <a:r>
+              <a:rPr lang="zh-CN" altLang="en-US" dirty="0" smtClean="0"/>
+              <a:t>将</a:t>
+            </a:r>
+            <a:r>
+              <a:rPr lang="en-US" altLang="zh-CN" dirty="0" smtClean="0"/>
+              <a:t>50%</a:t>
+            </a:r>
+            <a:r>
+              <a:rPr lang="zh-CN" altLang="en-US" dirty="0" smtClean="0"/>
+              <a:t>触发率对应的</a:t>
+            </a:r>
+            <a:r>
+              <a:rPr lang="en-US" altLang="zh-CN" dirty="0" smtClean="0"/>
+              <a:t>DAC</a:t>
+            </a:r>
+            <a:r>
+              <a:rPr lang="zh-CN" altLang="en-US" dirty="0" smtClean="0"/>
+              <a:t>码值计算出来，进行统计</a:t>
+            </a:r>
+            <a:endParaRPr lang="en-US" altLang="zh-CN" dirty="0" smtClean="0"/>
+          </a:p>
+          <a:p>
+            <a:pPr lvl="1"/>
+            <a:r>
+              <a:rPr lang="zh-CN" altLang="en-US" dirty="0" smtClean="0"/>
+              <a:t>修正之后</a:t>
+            </a:r>
+            <a:r>
+              <a:rPr lang="en-US" altLang="zh-CN" dirty="0" smtClean="0"/>
+              <a:t>DAC</a:t>
+            </a:r>
+            <a:r>
+              <a:rPr lang="zh-CN" altLang="en-US" dirty="0" smtClean="0"/>
+              <a:t>码值更集中</a:t>
+            </a:r>
+            <a:endParaRPr lang="en-US" altLang="zh-CN" dirty="0" smtClean="0"/>
+          </a:p>
+        </p:txBody>
+      </p:sp>
+    </p:spTree>
+    <p:extLst>
+      <p:ext uri="{BB962C8B-B14F-4D97-AF65-F5344CB8AC3E}">
+        <p14:creationId xmlns:p14="http://schemas.microsoft.com/office/powerpoint/2010/main" val="1916201972"/>
       </p:ext>
     </p:extLst>
   </p:cSld>
